--- a/algorithm/electricity/03_denki-koujishi/01_kakomon/R1_1/02_jitsugi/q04/a04.pptx
+++ b/algorithm/electricity/03_denki-koujishi/01_kakomon/R1_1/02_jitsugi/q04/a04.pptx
@@ -12,6 +12,7 @@
     <p:sldId id="322" r:id="rId6"/>
     <p:sldId id="323" r:id="rId7"/>
     <p:sldId id="324" r:id="rId8"/>
+    <p:sldId id="325" r:id="rId9"/>
   </p:sldIdLst>
   <p:sldSz cx="12192000" cy="6858000"/>
   <p:notesSz cx="6858000" cy="9144000"/>
@@ -265,7 +266,7 @@
           <a:p>
             <a:fld id="{EA6D781E-2D27-4EF7-AFED-D0940E0D7738}" type="datetimeFigureOut">
               <a:rPr kumimoji="1" lang="ja-JP" altLang="en-US" smtClean="0"/>
-              <a:t>2020/11/18</a:t>
+              <a:t>2020/11/23</a:t>
             </a:fld>
             <a:endParaRPr kumimoji="1" lang="ja-JP" altLang="en-US"/>
           </a:p>
@@ -495,7 +496,7 @@
           <a:p>
             <a:fld id="{EA6D781E-2D27-4EF7-AFED-D0940E0D7738}" type="datetimeFigureOut">
               <a:rPr kumimoji="1" lang="ja-JP" altLang="en-US" smtClean="0"/>
-              <a:t>2020/11/18</a:t>
+              <a:t>2020/11/23</a:t>
             </a:fld>
             <a:endParaRPr kumimoji="1" lang="ja-JP" altLang="en-US"/>
           </a:p>
@@ -735,7 +736,7 @@
           <a:p>
             <a:fld id="{EA6D781E-2D27-4EF7-AFED-D0940E0D7738}" type="datetimeFigureOut">
               <a:rPr kumimoji="1" lang="ja-JP" altLang="en-US" smtClean="0"/>
-              <a:t>2020/11/18</a:t>
+              <a:t>2020/11/23</a:t>
             </a:fld>
             <a:endParaRPr kumimoji="1" lang="ja-JP" altLang="en-US"/>
           </a:p>
@@ -965,7 +966,7 @@
           <a:p>
             <a:fld id="{EA6D781E-2D27-4EF7-AFED-D0940E0D7738}" type="datetimeFigureOut">
               <a:rPr kumimoji="1" lang="ja-JP" altLang="en-US" smtClean="0"/>
-              <a:t>2020/11/18</a:t>
+              <a:t>2020/11/23</a:t>
             </a:fld>
             <a:endParaRPr kumimoji="1" lang="ja-JP" altLang="en-US"/>
           </a:p>
@@ -1240,7 +1241,7 @@
           <a:p>
             <a:fld id="{EA6D781E-2D27-4EF7-AFED-D0940E0D7738}" type="datetimeFigureOut">
               <a:rPr kumimoji="1" lang="ja-JP" altLang="en-US" smtClean="0"/>
-              <a:t>2020/11/18</a:t>
+              <a:t>2020/11/23</a:t>
             </a:fld>
             <a:endParaRPr kumimoji="1" lang="ja-JP" altLang="en-US"/>
           </a:p>
@@ -1569,7 +1570,7 @@
           <a:p>
             <a:fld id="{EA6D781E-2D27-4EF7-AFED-D0940E0D7738}" type="datetimeFigureOut">
               <a:rPr kumimoji="1" lang="ja-JP" altLang="en-US" smtClean="0"/>
-              <a:t>2020/11/18</a:t>
+              <a:t>2020/11/23</a:t>
             </a:fld>
             <a:endParaRPr kumimoji="1" lang="ja-JP" altLang="en-US"/>
           </a:p>
@@ -2045,7 +2046,7 @@
           <a:p>
             <a:fld id="{EA6D781E-2D27-4EF7-AFED-D0940E0D7738}" type="datetimeFigureOut">
               <a:rPr kumimoji="1" lang="ja-JP" altLang="en-US" smtClean="0"/>
-              <a:t>2020/11/18</a:t>
+              <a:t>2020/11/23</a:t>
             </a:fld>
             <a:endParaRPr kumimoji="1" lang="ja-JP" altLang="en-US"/>
           </a:p>
@@ -2186,7 +2187,7 @@
           <a:p>
             <a:fld id="{EA6D781E-2D27-4EF7-AFED-D0940E0D7738}" type="datetimeFigureOut">
               <a:rPr kumimoji="1" lang="ja-JP" altLang="en-US" smtClean="0"/>
-              <a:t>2020/11/18</a:t>
+              <a:t>2020/11/23</a:t>
             </a:fld>
             <a:endParaRPr kumimoji="1" lang="ja-JP" altLang="en-US"/>
           </a:p>
@@ -2299,7 +2300,7 @@
           <a:p>
             <a:fld id="{EA6D781E-2D27-4EF7-AFED-D0940E0D7738}" type="datetimeFigureOut">
               <a:rPr kumimoji="1" lang="ja-JP" altLang="en-US" smtClean="0"/>
-              <a:t>2020/11/18</a:t>
+              <a:t>2020/11/23</a:t>
             </a:fld>
             <a:endParaRPr kumimoji="1" lang="ja-JP" altLang="en-US"/>
           </a:p>
@@ -2642,7 +2643,7 @@
           <a:p>
             <a:fld id="{EA6D781E-2D27-4EF7-AFED-D0940E0D7738}" type="datetimeFigureOut">
               <a:rPr kumimoji="1" lang="ja-JP" altLang="en-US" smtClean="0"/>
-              <a:t>2020/11/18</a:t>
+              <a:t>2020/11/23</a:t>
             </a:fld>
             <a:endParaRPr kumimoji="1" lang="ja-JP" altLang="en-US"/>
           </a:p>
@@ -2930,7 +2931,7 @@
           <a:p>
             <a:fld id="{EA6D781E-2D27-4EF7-AFED-D0940E0D7738}" type="datetimeFigureOut">
               <a:rPr kumimoji="1" lang="ja-JP" altLang="en-US" smtClean="0"/>
-              <a:t>2020/11/18</a:t>
+              <a:t>2020/11/23</a:t>
             </a:fld>
             <a:endParaRPr kumimoji="1" lang="ja-JP" altLang="en-US"/>
           </a:p>
@@ -3203,7 +3204,7 @@
           <a:p>
             <a:fld id="{EA6D781E-2D27-4EF7-AFED-D0940E0D7738}" type="datetimeFigureOut">
               <a:rPr kumimoji="1" lang="ja-JP" altLang="en-US" smtClean="0"/>
-              <a:t>2020/11/18</a:t>
+              <a:t>2020/11/23</a:t>
             </a:fld>
             <a:endParaRPr kumimoji="1" lang="ja-JP" altLang="en-US"/>
           </a:p>
@@ -20672,6 +20673,4508 @@
 </p:sld>
 </file>
 
+<file path=ppt/slides/slide8.xml><?xml version="1.0" encoding="utf-8"?>
+<p:sld xmlns:a="http://schemas.openxmlformats.org/drawingml/2006/main" xmlns:r="http://schemas.openxmlformats.org/officeDocument/2006/relationships" xmlns:p="http://schemas.openxmlformats.org/presentationml/2006/main">
+  <p:cSld>
+    <p:spTree>
+      <p:nvGrpSpPr>
+        <p:cNvPr id="1" name=""/>
+        <p:cNvGrpSpPr/>
+        <p:nvPr/>
+      </p:nvGrpSpPr>
+      <p:grpSpPr>
+        <a:xfrm>
+          <a:off x="0" y="0"/>
+          <a:ext cx="0" cy="0"/>
+          <a:chOff x="0" y="0"/>
+          <a:chExt cx="0" cy="0"/>
+        </a:xfrm>
+      </p:grpSpPr>
+      <p:sp>
+        <p:nvSpPr>
+          <p:cNvPr id="18" name="楕円 17">
+            <a:extLst>
+              <a:ext uri="{FF2B5EF4-FFF2-40B4-BE49-F238E27FC236}">
+                <a16:creationId xmlns:a16="http://schemas.microsoft.com/office/drawing/2014/main" id="{A2E154AD-98D1-4F44-81A2-0CBE45258587}"/>
+              </a:ext>
+            </a:extLst>
+          </p:cNvPr>
+          <p:cNvSpPr/>
+          <p:nvPr/>
+        </p:nvSpPr>
+        <p:spPr>
+          <a:xfrm>
+            <a:off x="7084183" y="5504066"/>
+            <a:ext cx="786798" cy="736573"/>
+          </a:xfrm>
+          <a:prstGeom prst="ellipse">
+            <a:avLst/>
+          </a:prstGeom>
+          <a:solidFill>
+            <a:schemeClr val="bg1"/>
+          </a:solidFill>
+          <a:ln w="38100">
+            <a:solidFill>
+              <a:schemeClr val="bg2">
+                <a:lumMod val="10000"/>
+              </a:schemeClr>
+            </a:solidFill>
+          </a:ln>
+        </p:spPr>
+        <p:style>
+          <a:lnRef idx="2">
+            <a:schemeClr val="accent1">
+              <a:shade val="50000"/>
+            </a:schemeClr>
+          </a:lnRef>
+          <a:fillRef idx="1">
+            <a:schemeClr val="accent1"/>
+          </a:fillRef>
+          <a:effectRef idx="0">
+            <a:schemeClr val="accent1"/>
+          </a:effectRef>
+          <a:fontRef idx="minor">
+            <a:schemeClr val="lt1"/>
+          </a:fontRef>
+        </p:style>
+        <p:txBody>
+          <a:bodyPr rtlCol="0" anchor="ctr"/>
+          <a:lstStyle/>
+          <a:p>
+            <a:pPr algn="ctr"/>
+            <a:endParaRPr kumimoji="1" lang="ja-JP" altLang="en-US"/>
+          </a:p>
+        </p:txBody>
+      </p:sp>
+      <p:cxnSp>
+        <p:nvCxnSpPr>
+          <p:cNvPr id="50" name="直線コネクタ 49">
+            <a:extLst>
+              <a:ext uri="{FF2B5EF4-FFF2-40B4-BE49-F238E27FC236}">
+                <a16:creationId xmlns:a16="http://schemas.microsoft.com/office/drawing/2014/main" id="{56332DDB-6A1C-4EF3-9621-CC3E4A766C5B}"/>
+              </a:ext>
+            </a:extLst>
+          </p:cNvPr>
+          <p:cNvCxnSpPr>
+            <a:cxnSpLocks/>
+          </p:cNvCxnSpPr>
+          <p:nvPr/>
+        </p:nvCxnSpPr>
+        <p:spPr>
+          <a:xfrm flipH="1" flipV="1">
+            <a:off x="7191663" y="6072436"/>
+            <a:ext cx="571838" cy="345"/>
+          </a:xfrm>
+          <a:prstGeom prst="line">
+            <a:avLst/>
+          </a:prstGeom>
+          <a:ln w="57150">
+            <a:solidFill>
+              <a:schemeClr val="bg2">
+                <a:lumMod val="10000"/>
+              </a:schemeClr>
+            </a:solidFill>
+          </a:ln>
+        </p:spPr>
+        <p:style>
+          <a:lnRef idx="1">
+            <a:schemeClr val="accent1"/>
+          </a:lnRef>
+          <a:fillRef idx="0">
+            <a:schemeClr val="accent1"/>
+          </a:fillRef>
+          <a:effectRef idx="0">
+            <a:schemeClr val="accent1"/>
+          </a:effectRef>
+          <a:fontRef idx="minor">
+            <a:schemeClr val="tx1"/>
+          </a:fontRef>
+        </p:style>
+      </p:cxnSp>
+      <p:cxnSp>
+        <p:nvCxnSpPr>
+          <p:cNvPr id="64" name="直線コネクタ 63">
+            <a:extLst>
+              <a:ext uri="{FF2B5EF4-FFF2-40B4-BE49-F238E27FC236}">
+                <a16:creationId xmlns:a16="http://schemas.microsoft.com/office/drawing/2014/main" id="{4D658397-2C4B-4000-8063-9848F82650BA}"/>
+              </a:ext>
+            </a:extLst>
+          </p:cNvPr>
+          <p:cNvCxnSpPr>
+            <a:cxnSpLocks/>
+          </p:cNvCxnSpPr>
+          <p:nvPr/>
+        </p:nvCxnSpPr>
+        <p:spPr>
+          <a:xfrm flipV="1">
+            <a:off x="7373070" y="5504066"/>
+            <a:ext cx="0" cy="554960"/>
+          </a:xfrm>
+          <a:prstGeom prst="line">
+            <a:avLst/>
+          </a:prstGeom>
+          <a:ln w="57150">
+            <a:solidFill>
+              <a:schemeClr val="bg2">
+                <a:lumMod val="10000"/>
+              </a:schemeClr>
+            </a:solidFill>
+          </a:ln>
+        </p:spPr>
+        <p:style>
+          <a:lnRef idx="1">
+            <a:schemeClr val="accent1"/>
+          </a:lnRef>
+          <a:fillRef idx="0">
+            <a:schemeClr val="accent1"/>
+          </a:fillRef>
+          <a:effectRef idx="0">
+            <a:schemeClr val="accent1"/>
+          </a:effectRef>
+          <a:fontRef idx="minor">
+            <a:schemeClr val="tx1"/>
+          </a:fontRef>
+        </p:style>
+      </p:cxnSp>
+      <p:cxnSp>
+        <p:nvCxnSpPr>
+          <p:cNvPr id="66" name="直線コネクタ 65">
+            <a:extLst>
+              <a:ext uri="{FF2B5EF4-FFF2-40B4-BE49-F238E27FC236}">
+                <a16:creationId xmlns:a16="http://schemas.microsoft.com/office/drawing/2014/main" id="{F9F57985-8243-4B72-9226-BFAD4CE2DEEC}"/>
+              </a:ext>
+            </a:extLst>
+          </p:cNvPr>
+          <p:cNvCxnSpPr>
+            <a:cxnSpLocks/>
+          </p:cNvCxnSpPr>
+          <p:nvPr/>
+        </p:nvCxnSpPr>
+        <p:spPr>
+          <a:xfrm flipV="1">
+            <a:off x="7579315" y="5505319"/>
+            <a:ext cx="0" cy="554960"/>
+          </a:xfrm>
+          <a:prstGeom prst="line">
+            <a:avLst/>
+          </a:prstGeom>
+          <a:ln w="57150">
+            <a:solidFill>
+              <a:schemeClr val="bg2">
+                <a:lumMod val="10000"/>
+              </a:schemeClr>
+            </a:solidFill>
+          </a:ln>
+        </p:spPr>
+        <p:style>
+          <a:lnRef idx="1">
+            <a:schemeClr val="accent1"/>
+          </a:lnRef>
+          <a:fillRef idx="0">
+            <a:schemeClr val="accent1"/>
+          </a:fillRef>
+          <a:effectRef idx="0">
+            <a:schemeClr val="accent1"/>
+          </a:effectRef>
+          <a:fontRef idx="minor">
+            <a:schemeClr val="tx1"/>
+          </a:fontRef>
+        </p:style>
+      </p:cxnSp>
+      <p:sp>
+        <p:nvSpPr>
+          <p:cNvPr id="7" name="楕円 6">
+            <a:extLst>
+              <a:ext uri="{FF2B5EF4-FFF2-40B4-BE49-F238E27FC236}">
+                <a16:creationId xmlns:a16="http://schemas.microsoft.com/office/drawing/2014/main" id="{3B110D3F-0631-4A34-B34D-A3A8EAD6EF60}"/>
+              </a:ext>
+            </a:extLst>
+          </p:cNvPr>
+          <p:cNvSpPr/>
+          <p:nvPr/>
+        </p:nvSpPr>
+        <p:spPr>
+          <a:xfrm>
+            <a:off x="2384826" y="1691835"/>
+            <a:ext cx="1943891" cy="1922693"/>
+          </a:xfrm>
+          <a:prstGeom prst="ellipse">
+            <a:avLst/>
+          </a:prstGeom>
+          <a:solidFill>
+            <a:schemeClr val="bg1"/>
+          </a:solidFill>
+          <a:ln w="28575">
+            <a:solidFill>
+              <a:schemeClr val="bg2">
+                <a:lumMod val="10000"/>
+              </a:schemeClr>
+            </a:solidFill>
+            <a:prstDash val="dash"/>
+          </a:ln>
+        </p:spPr>
+        <p:style>
+          <a:lnRef idx="2">
+            <a:schemeClr val="accent1">
+              <a:shade val="50000"/>
+            </a:schemeClr>
+          </a:lnRef>
+          <a:fillRef idx="1">
+            <a:schemeClr val="accent1"/>
+          </a:fillRef>
+          <a:effectRef idx="0">
+            <a:schemeClr val="accent1"/>
+          </a:effectRef>
+          <a:fontRef idx="minor">
+            <a:schemeClr val="lt1"/>
+          </a:fontRef>
+        </p:style>
+        <p:txBody>
+          <a:bodyPr rtlCol="0" anchor="ctr"/>
+          <a:lstStyle/>
+          <a:p>
+            <a:pPr algn="ctr"/>
+            <a:endParaRPr kumimoji="1" lang="ja-JP" altLang="en-US"/>
+          </a:p>
+        </p:txBody>
+      </p:sp>
+      <p:sp>
+        <p:nvSpPr>
+          <p:cNvPr id="9" name="楕円 8">
+            <a:extLst>
+              <a:ext uri="{FF2B5EF4-FFF2-40B4-BE49-F238E27FC236}">
+                <a16:creationId xmlns:a16="http://schemas.microsoft.com/office/drawing/2014/main" id="{5F83C3E4-DD28-48F0-9CF1-131ACAD0A376}"/>
+              </a:ext>
+            </a:extLst>
+          </p:cNvPr>
+          <p:cNvSpPr/>
+          <p:nvPr/>
+        </p:nvSpPr>
+        <p:spPr>
+          <a:xfrm>
+            <a:off x="6585122" y="427196"/>
+            <a:ext cx="1943891" cy="1922693"/>
+          </a:xfrm>
+          <a:prstGeom prst="ellipse">
+            <a:avLst/>
+          </a:prstGeom>
+          <a:solidFill>
+            <a:schemeClr val="bg1"/>
+          </a:solidFill>
+          <a:ln w="28575">
+            <a:solidFill>
+              <a:schemeClr val="bg2">
+                <a:lumMod val="10000"/>
+              </a:schemeClr>
+            </a:solidFill>
+            <a:prstDash val="dash"/>
+          </a:ln>
+        </p:spPr>
+        <p:style>
+          <a:lnRef idx="2">
+            <a:schemeClr val="accent1">
+              <a:shade val="50000"/>
+            </a:schemeClr>
+          </a:lnRef>
+          <a:fillRef idx="1">
+            <a:schemeClr val="accent1"/>
+          </a:fillRef>
+          <a:effectRef idx="0">
+            <a:schemeClr val="accent1"/>
+          </a:effectRef>
+          <a:fontRef idx="minor">
+            <a:schemeClr val="lt1"/>
+          </a:fontRef>
+        </p:style>
+        <p:txBody>
+          <a:bodyPr rtlCol="0" anchor="ctr"/>
+          <a:lstStyle/>
+          <a:p>
+            <a:pPr algn="ctr"/>
+            <a:endParaRPr kumimoji="1" lang="ja-JP" altLang="en-US"/>
+          </a:p>
+        </p:txBody>
+      </p:sp>
+      <p:sp>
+        <p:nvSpPr>
+          <p:cNvPr id="3" name="楕円 2">
+            <a:extLst>
+              <a:ext uri="{FF2B5EF4-FFF2-40B4-BE49-F238E27FC236}">
+                <a16:creationId xmlns:a16="http://schemas.microsoft.com/office/drawing/2014/main" id="{CB003734-785B-4885-B625-31F194B279F2}"/>
+              </a:ext>
+            </a:extLst>
+          </p:cNvPr>
+          <p:cNvSpPr/>
+          <p:nvPr/>
+        </p:nvSpPr>
+        <p:spPr>
+          <a:xfrm>
+            <a:off x="2834093" y="5471199"/>
+            <a:ext cx="783696" cy="769441"/>
+          </a:xfrm>
+          <a:prstGeom prst="ellipse">
+            <a:avLst/>
+          </a:prstGeom>
+          <a:solidFill>
+            <a:schemeClr val="bg1"/>
+          </a:solidFill>
+          <a:ln w="38100">
+            <a:solidFill>
+              <a:schemeClr val="bg2">
+                <a:lumMod val="10000"/>
+              </a:schemeClr>
+            </a:solidFill>
+          </a:ln>
+        </p:spPr>
+        <p:style>
+          <a:lnRef idx="2">
+            <a:schemeClr val="accent1">
+              <a:shade val="50000"/>
+            </a:schemeClr>
+          </a:lnRef>
+          <a:fillRef idx="1">
+            <a:schemeClr val="accent1"/>
+          </a:fillRef>
+          <a:effectRef idx="0">
+            <a:schemeClr val="accent1"/>
+          </a:effectRef>
+          <a:fontRef idx="minor">
+            <a:schemeClr val="lt1"/>
+          </a:fontRef>
+        </p:style>
+        <p:txBody>
+          <a:bodyPr rtlCol="0" anchor="ctr"/>
+          <a:lstStyle/>
+          <a:p>
+            <a:pPr algn="ctr"/>
+            <a:endParaRPr kumimoji="1" lang="ja-JP" altLang="en-US"/>
+          </a:p>
+        </p:txBody>
+      </p:sp>
+      <p:sp>
+        <p:nvSpPr>
+          <p:cNvPr id="8" name="テキスト ボックス 7">
+            <a:extLst>
+              <a:ext uri="{FF2B5EF4-FFF2-40B4-BE49-F238E27FC236}">
+                <a16:creationId xmlns:a16="http://schemas.microsoft.com/office/drawing/2014/main" id="{1E0AF941-4756-4A0D-BEAD-851DF1A9F734}"/>
+              </a:ext>
+            </a:extLst>
+          </p:cNvPr>
+          <p:cNvSpPr txBox="1"/>
+          <p:nvPr/>
+        </p:nvSpPr>
+        <p:spPr>
+          <a:xfrm>
+            <a:off x="2920493" y="5471198"/>
+            <a:ext cx="533612" cy="769441"/>
+          </a:xfrm>
+          <a:prstGeom prst="rect">
+            <a:avLst/>
+          </a:prstGeom>
+          <a:noFill/>
+        </p:spPr>
+        <p:txBody>
+          <a:bodyPr wrap="square" rtlCol="0">
+            <a:spAutoFit/>
+          </a:bodyPr>
+          <a:lstStyle/>
+          <a:p>
+            <a:r>
+              <a:rPr kumimoji="1" lang="en-US" altLang="ja-JP" sz="4400" dirty="0">
+                <a:latin typeface="Cambria Math" panose="02040503050406030204" pitchFamily="18" charset="0"/>
+                <a:ea typeface="Cambria Math" panose="02040503050406030204" pitchFamily="18" charset="0"/>
+              </a:rPr>
+              <a:t>M</a:t>
+            </a:r>
+            <a:endParaRPr kumimoji="1" lang="ja-JP" altLang="en-US" sz="4400" dirty="0">
+              <a:latin typeface="Cambria Math" panose="02040503050406030204" pitchFamily="18" charset="0"/>
+            </a:endParaRPr>
+          </a:p>
+        </p:txBody>
+      </p:sp>
+      <p:sp>
+        <p:nvSpPr>
+          <p:cNvPr id="11" name="正方形/長方形 10">
+            <a:extLst>
+              <a:ext uri="{FF2B5EF4-FFF2-40B4-BE49-F238E27FC236}">
+                <a16:creationId xmlns:a16="http://schemas.microsoft.com/office/drawing/2014/main" id="{B2E48084-A050-48D9-92DC-2AEB3B57124E}"/>
+              </a:ext>
+            </a:extLst>
+          </p:cNvPr>
+          <p:cNvSpPr/>
+          <p:nvPr/>
+        </p:nvSpPr>
+        <p:spPr>
+          <a:xfrm>
+            <a:off x="672208" y="569746"/>
+            <a:ext cx="516065" cy="1244480"/>
+          </a:xfrm>
+          <a:prstGeom prst="rect">
+            <a:avLst/>
+          </a:prstGeom>
+          <a:noFill/>
+          <a:ln w="28575">
+            <a:solidFill>
+              <a:schemeClr val="tx1"/>
+            </a:solidFill>
+          </a:ln>
+        </p:spPr>
+        <p:style>
+          <a:lnRef idx="2">
+            <a:schemeClr val="accent1">
+              <a:shade val="50000"/>
+            </a:schemeClr>
+          </a:lnRef>
+          <a:fillRef idx="1">
+            <a:schemeClr val="accent1"/>
+          </a:fillRef>
+          <a:effectRef idx="0">
+            <a:schemeClr val="accent1"/>
+          </a:effectRef>
+          <a:fontRef idx="minor">
+            <a:schemeClr val="lt1"/>
+          </a:fontRef>
+        </p:style>
+        <p:txBody>
+          <a:bodyPr rtlCol="0" anchor="ctr"/>
+          <a:lstStyle/>
+          <a:p>
+            <a:pPr algn="ctr"/>
+            <a:endParaRPr kumimoji="1" lang="ja-JP" altLang="en-US"/>
+          </a:p>
+        </p:txBody>
+      </p:sp>
+      <p:sp>
+        <p:nvSpPr>
+          <p:cNvPr id="13" name="楕円 12">
+            <a:extLst>
+              <a:ext uri="{FF2B5EF4-FFF2-40B4-BE49-F238E27FC236}">
+                <a16:creationId xmlns:a16="http://schemas.microsoft.com/office/drawing/2014/main" id="{8B322D31-0F54-4CD9-BE29-A78F0B219161}"/>
+              </a:ext>
+            </a:extLst>
+          </p:cNvPr>
+          <p:cNvSpPr/>
+          <p:nvPr/>
+        </p:nvSpPr>
+        <p:spPr>
+          <a:xfrm flipV="1">
+            <a:off x="756636" y="756605"/>
+            <a:ext cx="329621" cy="352776"/>
+          </a:xfrm>
+          <a:prstGeom prst="ellipse">
+            <a:avLst/>
+          </a:prstGeom>
+          <a:noFill/>
+          <a:ln w="28575">
+            <a:solidFill>
+              <a:schemeClr val="tx1"/>
+            </a:solidFill>
+          </a:ln>
+        </p:spPr>
+        <p:style>
+          <a:lnRef idx="2">
+            <a:schemeClr val="accent1">
+              <a:shade val="50000"/>
+            </a:schemeClr>
+          </a:lnRef>
+          <a:fillRef idx="1">
+            <a:schemeClr val="accent1"/>
+          </a:fillRef>
+          <a:effectRef idx="0">
+            <a:schemeClr val="accent1"/>
+          </a:effectRef>
+          <a:fontRef idx="minor">
+            <a:schemeClr val="lt1"/>
+          </a:fontRef>
+        </p:style>
+        <p:txBody>
+          <a:bodyPr rtlCol="0" anchor="ctr"/>
+          <a:lstStyle/>
+          <a:p>
+            <a:pPr algn="ctr"/>
+            <a:endParaRPr kumimoji="1" lang="ja-JP" altLang="en-US"/>
+          </a:p>
+        </p:txBody>
+      </p:sp>
+      <p:sp>
+        <p:nvSpPr>
+          <p:cNvPr id="14" name="楕円 13">
+            <a:extLst>
+              <a:ext uri="{FF2B5EF4-FFF2-40B4-BE49-F238E27FC236}">
+                <a16:creationId xmlns:a16="http://schemas.microsoft.com/office/drawing/2014/main" id="{1258D82E-C517-4064-9522-5AEAA2B9C4D2}"/>
+              </a:ext>
+            </a:extLst>
+          </p:cNvPr>
+          <p:cNvSpPr/>
+          <p:nvPr/>
+        </p:nvSpPr>
+        <p:spPr>
+          <a:xfrm flipV="1">
+            <a:off x="748516" y="2824022"/>
+            <a:ext cx="329621" cy="326064"/>
+          </a:xfrm>
+          <a:prstGeom prst="ellipse">
+            <a:avLst/>
+          </a:prstGeom>
+          <a:noFill/>
+          <a:ln w="28575">
+            <a:solidFill>
+              <a:schemeClr val="tx1"/>
+            </a:solidFill>
+          </a:ln>
+        </p:spPr>
+        <p:style>
+          <a:lnRef idx="2">
+            <a:schemeClr val="accent1">
+              <a:shade val="50000"/>
+            </a:schemeClr>
+          </a:lnRef>
+          <a:fillRef idx="1">
+            <a:schemeClr val="accent1"/>
+          </a:fillRef>
+          <a:effectRef idx="0">
+            <a:schemeClr val="accent1"/>
+          </a:effectRef>
+          <a:fontRef idx="minor">
+            <a:schemeClr val="lt1"/>
+          </a:fontRef>
+        </p:style>
+        <p:txBody>
+          <a:bodyPr rtlCol="0" anchor="ctr"/>
+          <a:lstStyle/>
+          <a:p>
+            <a:pPr algn="ctr"/>
+            <a:endParaRPr kumimoji="1" lang="ja-JP" altLang="en-US"/>
+          </a:p>
+        </p:txBody>
+      </p:sp>
+      <p:sp>
+        <p:nvSpPr>
+          <p:cNvPr id="21" name="テキスト ボックス 20">
+            <a:extLst>
+              <a:ext uri="{FF2B5EF4-FFF2-40B4-BE49-F238E27FC236}">
+                <a16:creationId xmlns:a16="http://schemas.microsoft.com/office/drawing/2014/main" id="{9981600F-FBF2-4F0D-99C2-9532A799CEF2}"/>
+              </a:ext>
+            </a:extLst>
+          </p:cNvPr>
+          <p:cNvSpPr txBox="1"/>
+          <p:nvPr/>
+        </p:nvSpPr>
+        <p:spPr>
+          <a:xfrm>
+            <a:off x="165259" y="613897"/>
+            <a:ext cx="442750" cy="1200329"/>
+          </a:xfrm>
+          <a:prstGeom prst="rect">
+            <a:avLst/>
+          </a:prstGeom>
+          <a:noFill/>
+        </p:spPr>
+        <p:txBody>
+          <a:bodyPr wrap="none" rtlCol="0">
+            <a:spAutoFit/>
+          </a:bodyPr>
+          <a:lstStyle/>
+          <a:p>
+            <a:r>
+              <a:rPr lang="en-US" altLang="ja-JP" sz="2400" b="1" dirty="0">
+                <a:latin typeface="Georgia" panose="02040502050405020303" pitchFamily="18" charset="0"/>
+              </a:rPr>
+              <a:t>N</a:t>
+            </a:r>
+            <a:endParaRPr kumimoji="1" lang="en-US" altLang="ja-JP" sz="2400" b="1" dirty="0">
+              <a:latin typeface="Georgia" panose="02040502050405020303" pitchFamily="18" charset="0"/>
+            </a:endParaRPr>
+          </a:p>
+          <a:p>
+            <a:endParaRPr lang="en-US" altLang="ja-JP" sz="2400" b="1" dirty="0">
+              <a:latin typeface="Georgia" panose="02040502050405020303" pitchFamily="18" charset="0"/>
+            </a:endParaRPr>
+          </a:p>
+          <a:p>
+            <a:r>
+              <a:rPr kumimoji="1" lang="en-US" altLang="ja-JP" sz="2400" b="1" dirty="0">
+                <a:latin typeface="Georgia" panose="02040502050405020303" pitchFamily="18" charset="0"/>
+              </a:rPr>
+              <a:t>L</a:t>
+            </a:r>
+            <a:endParaRPr kumimoji="1" lang="ja-JP" altLang="en-US" sz="2400" b="1" dirty="0">
+              <a:latin typeface="Georgia" panose="02040502050405020303" pitchFamily="18" charset="0"/>
+            </a:endParaRPr>
+          </a:p>
+        </p:txBody>
+      </p:sp>
+      <p:sp>
+        <p:nvSpPr>
+          <p:cNvPr id="22" name="正方形/長方形 21">
+            <a:extLst>
+              <a:ext uri="{FF2B5EF4-FFF2-40B4-BE49-F238E27FC236}">
+                <a16:creationId xmlns:a16="http://schemas.microsoft.com/office/drawing/2014/main" id="{6D7CB55D-0D14-498D-94E7-059DA889C8FB}"/>
+              </a:ext>
+            </a:extLst>
+          </p:cNvPr>
+          <p:cNvSpPr/>
+          <p:nvPr/>
+        </p:nvSpPr>
+        <p:spPr>
+          <a:xfrm rot="5400000">
+            <a:off x="5462477" y="3980164"/>
+            <a:ext cx="574370" cy="1172698"/>
+          </a:xfrm>
+          <a:prstGeom prst="rect">
+            <a:avLst/>
+          </a:prstGeom>
+          <a:noFill/>
+          <a:ln w="28575">
+            <a:solidFill>
+              <a:schemeClr val="tx1"/>
+            </a:solidFill>
+          </a:ln>
+        </p:spPr>
+        <p:style>
+          <a:lnRef idx="2">
+            <a:schemeClr val="accent1">
+              <a:shade val="50000"/>
+            </a:schemeClr>
+          </a:lnRef>
+          <a:fillRef idx="1">
+            <a:schemeClr val="accent1"/>
+          </a:fillRef>
+          <a:effectRef idx="0">
+            <a:schemeClr val="accent1"/>
+          </a:effectRef>
+          <a:fontRef idx="minor">
+            <a:schemeClr val="lt1"/>
+          </a:fontRef>
+        </p:style>
+        <p:txBody>
+          <a:bodyPr rtlCol="0" anchor="ctr"/>
+          <a:lstStyle/>
+          <a:p>
+            <a:pPr algn="ctr"/>
+            <a:r>
+              <a:rPr lang="ja-JP" altLang="en-US" dirty="0"/>
+              <a:t>（）</a:t>
+            </a:r>
+            <a:endParaRPr kumimoji="1" lang="ja-JP" altLang="en-US" dirty="0"/>
+          </a:p>
+        </p:txBody>
+      </p:sp>
+      <p:sp>
+        <p:nvSpPr>
+          <p:cNvPr id="25" name="テキスト ボックス 24">
+            <a:extLst>
+              <a:ext uri="{FF2B5EF4-FFF2-40B4-BE49-F238E27FC236}">
+                <a16:creationId xmlns:a16="http://schemas.microsoft.com/office/drawing/2014/main" id="{A11E7D19-E549-429A-9ADB-BC123F732902}"/>
+              </a:ext>
+            </a:extLst>
+          </p:cNvPr>
+          <p:cNvSpPr txBox="1"/>
+          <p:nvPr/>
+        </p:nvSpPr>
+        <p:spPr>
+          <a:xfrm rot="16200000">
+            <a:off x="5594981" y="4203865"/>
+            <a:ext cx="461665" cy="769441"/>
+          </a:xfrm>
+          <a:prstGeom prst="rect">
+            <a:avLst/>
+          </a:prstGeom>
+          <a:noFill/>
+        </p:spPr>
+        <p:txBody>
+          <a:bodyPr vert="eaVert" wrap="square" rtlCol="0">
+            <a:spAutoFit/>
+          </a:bodyPr>
+          <a:lstStyle/>
+          <a:p>
+            <a:r>
+              <a:rPr kumimoji="1" lang="ja-JP" altLang="en-US" b="1" dirty="0"/>
+              <a:t>（ ）</a:t>
+            </a:r>
+          </a:p>
+        </p:txBody>
+      </p:sp>
+      <p:sp>
+        <p:nvSpPr>
+          <p:cNvPr id="26" name="テキスト ボックス 25">
+            <a:extLst>
+              <a:ext uri="{FF2B5EF4-FFF2-40B4-BE49-F238E27FC236}">
+                <a16:creationId xmlns:a16="http://schemas.microsoft.com/office/drawing/2014/main" id="{2EFE439D-4D07-4334-9443-CC50E3E2137A}"/>
+              </a:ext>
+            </a:extLst>
+          </p:cNvPr>
+          <p:cNvSpPr txBox="1"/>
+          <p:nvPr/>
+        </p:nvSpPr>
+        <p:spPr>
+          <a:xfrm>
+            <a:off x="5849778" y="4914175"/>
+            <a:ext cx="492443" cy="461665"/>
+          </a:xfrm>
+          <a:prstGeom prst="rect">
+            <a:avLst/>
+          </a:prstGeom>
+          <a:noFill/>
+        </p:spPr>
+        <p:txBody>
+          <a:bodyPr wrap="none" rtlCol="0">
+            <a:spAutoFit/>
+          </a:bodyPr>
+          <a:lstStyle/>
+          <a:p>
+            <a:r>
+              <a:rPr kumimoji="1" lang="ja-JP" altLang="en-US" sz="2400" b="1" dirty="0">
+                <a:latin typeface="Georgia" panose="02040502050405020303" pitchFamily="18" charset="0"/>
+              </a:rPr>
+              <a:t>イ</a:t>
+            </a:r>
+          </a:p>
+        </p:txBody>
+      </p:sp>
+      <p:sp>
+        <p:nvSpPr>
+          <p:cNvPr id="4" name="正方形/長方形 3">
+            <a:extLst>
+              <a:ext uri="{FF2B5EF4-FFF2-40B4-BE49-F238E27FC236}">
+                <a16:creationId xmlns:a16="http://schemas.microsoft.com/office/drawing/2014/main" id="{67C28014-BD2B-40F5-94C7-C9DE9FFA1D55}"/>
+              </a:ext>
+            </a:extLst>
+          </p:cNvPr>
+          <p:cNvSpPr/>
+          <p:nvPr/>
+        </p:nvSpPr>
+        <p:spPr>
+          <a:xfrm>
+            <a:off x="664361" y="1815475"/>
+            <a:ext cx="516065" cy="1446084"/>
+          </a:xfrm>
+          <a:prstGeom prst="rect">
+            <a:avLst/>
+          </a:prstGeom>
+          <a:noFill/>
+          <a:ln w="28575">
+            <a:solidFill>
+              <a:schemeClr val="tx1"/>
+            </a:solidFill>
+          </a:ln>
+        </p:spPr>
+        <p:style>
+          <a:lnRef idx="2">
+            <a:schemeClr val="accent1">
+              <a:shade val="50000"/>
+            </a:schemeClr>
+          </a:lnRef>
+          <a:fillRef idx="1">
+            <a:schemeClr val="accent1"/>
+          </a:fillRef>
+          <a:effectRef idx="0">
+            <a:schemeClr val="accent1"/>
+          </a:effectRef>
+          <a:fontRef idx="minor">
+            <a:schemeClr val="lt1"/>
+          </a:fontRef>
+        </p:style>
+        <p:txBody>
+          <a:bodyPr rtlCol="0" anchor="ctr"/>
+          <a:lstStyle/>
+          <a:p>
+            <a:pPr algn="ctr"/>
+            <a:endParaRPr kumimoji="1" lang="ja-JP" altLang="en-US"/>
+          </a:p>
+        </p:txBody>
+      </p:sp>
+      <p:sp>
+        <p:nvSpPr>
+          <p:cNvPr id="17" name="楕円 16">
+            <a:extLst>
+              <a:ext uri="{FF2B5EF4-FFF2-40B4-BE49-F238E27FC236}">
+                <a16:creationId xmlns:a16="http://schemas.microsoft.com/office/drawing/2014/main" id="{A86F2FB6-1373-4403-AE6D-D0E922DC50ED}"/>
+              </a:ext>
+            </a:extLst>
+          </p:cNvPr>
+          <p:cNvSpPr/>
+          <p:nvPr/>
+        </p:nvSpPr>
+        <p:spPr>
+          <a:xfrm flipV="1">
+            <a:off x="738811" y="1918170"/>
+            <a:ext cx="329621" cy="326064"/>
+          </a:xfrm>
+          <a:prstGeom prst="ellipse">
+            <a:avLst/>
+          </a:prstGeom>
+          <a:noFill/>
+          <a:ln w="28575">
+            <a:solidFill>
+              <a:schemeClr val="tx1"/>
+            </a:solidFill>
+          </a:ln>
+        </p:spPr>
+        <p:style>
+          <a:lnRef idx="2">
+            <a:schemeClr val="accent1">
+              <a:shade val="50000"/>
+            </a:schemeClr>
+          </a:lnRef>
+          <a:fillRef idx="1">
+            <a:schemeClr val="accent1"/>
+          </a:fillRef>
+          <a:effectRef idx="0">
+            <a:schemeClr val="accent1"/>
+          </a:effectRef>
+          <a:fontRef idx="minor">
+            <a:schemeClr val="lt1"/>
+          </a:fontRef>
+        </p:style>
+        <p:txBody>
+          <a:bodyPr rtlCol="0" anchor="ctr"/>
+          <a:lstStyle/>
+          <a:p>
+            <a:pPr algn="ctr"/>
+            <a:endParaRPr kumimoji="1" lang="ja-JP" altLang="en-US"/>
+          </a:p>
+        </p:txBody>
+      </p:sp>
+      <p:sp>
+        <p:nvSpPr>
+          <p:cNvPr id="20" name="楕円 19">
+            <a:extLst>
+              <a:ext uri="{FF2B5EF4-FFF2-40B4-BE49-F238E27FC236}">
+                <a16:creationId xmlns:a16="http://schemas.microsoft.com/office/drawing/2014/main" id="{445B384D-E802-4FAF-A350-8E237D62C396}"/>
+              </a:ext>
+            </a:extLst>
+          </p:cNvPr>
+          <p:cNvSpPr/>
+          <p:nvPr/>
+        </p:nvSpPr>
+        <p:spPr>
+          <a:xfrm flipV="1">
+            <a:off x="734247" y="2371059"/>
+            <a:ext cx="329621" cy="326064"/>
+          </a:xfrm>
+          <a:prstGeom prst="ellipse">
+            <a:avLst/>
+          </a:prstGeom>
+          <a:noFill/>
+          <a:ln w="28575">
+            <a:solidFill>
+              <a:schemeClr val="tx1"/>
+            </a:solidFill>
+          </a:ln>
+        </p:spPr>
+        <p:style>
+          <a:lnRef idx="2">
+            <a:schemeClr val="accent1">
+              <a:shade val="50000"/>
+            </a:schemeClr>
+          </a:lnRef>
+          <a:fillRef idx="1">
+            <a:schemeClr val="accent1"/>
+          </a:fillRef>
+          <a:effectRef idx="0">
+            <a:schemeClr val="accent1"/>
+          </a:effectRef>
+          <a:fontRef idx="minor">
+            <a:schemeClr val="lt1"/>
+          </a:fontRef>
+        </p:style>
+        <p:txBody>
+          <a:bodyPr rtlCol="0" anchor="ctr"/>
+          <a:lstStyle/>
+          <a:p>
+            <a:pPr algn="ctr"/>
+            <a:endParaRPr kumimoji="1" lang="ja-JP" altLang="en-US"/>
+          </a:p>
+        </p:txBody>
+      </p:sp>
+      <p:sp>
+        <p:nvSpPr>
+          <p:cNvPr id="27" name="楕円 26">
+            <a:extLst>
+              <a:ext uri="{FF2B5EF4-FFF2-40B4-BE49-F238E27FC236}">
+                <a16:creationId xmlns:a16="http://schemas.microsoft.com/office/drawing/2014/main" id="{54F6D5E9-BC06-4B3D-BC13-CFB03055B136}"/>
+              </a:ext>
+            </a:extLst>
+          </p:cNvPr>
+          <p:cNvSpPr/>
+          <p:nvPr/>
+        </p:nvSpPr>
+        <p:spPr>
+          <a:xfrm flipV="1">
+            <a:off x="771320" y="1388543"/>
+            <a:ext cx="329621" cy="326064"/>
+          </a:xfrm>
+          <a:prstGeom prst="ellipse">
+            <a:avLst/>
+          </a:prstGeom>
+          <a:noFill/>
+          <a:ln w="28575">
+            <a:solidFill>
+              <a:schemeClr val="tx1"/>
+            </a:solidFill>
+          </a:ln>
+        </p:spPr>
+        <p:style>
+          <a:lnRef idx="2">
+            <a:schemeClr val="accent1">
+              <a:shade val="50000"/>
+            </a:schemeClr>
+          </a:lnRef>
+          <a:fillRef idx="1">
+            <a:schemeClr val="accent1"/>
+          </a:fillRef>
+          <a:effectRef idx="0">
+            <a:schemeClr val="accent1"/>
+          </a:effectRef>
+          <a:fontRef idx="minor">
+            <a:schemeClr val="lt1"/>
+          </a:fontRef>
+        </p:style>
+        <p:txBody>
+          <a:bodyPr rtlCol="0" anchor="ctr"/>
+          <a:lstStyle/>
+          <a:p>
+            <a:pPr algn="ctr"/>
+            <a:endParaRPr kumimoji="1" lang="ja-JP" altLang="en-US"/>
+          </a:p>
+        </p:txBody>
+      </p:sp>
+      <p:sp>
+        <p:nvSpPr>
+          <p:cNvPr id="35" name="テキスト ボックス 34">
+            <a:extLst>
+              <a:ext uri="{FF2B5EF4-FFF2-40B4-BE49-F238E27FC236}">
+                <a16:creationId xmlns:a16="http://schemas.microsoft.com/office/drawing/2014/main" id="{64A61AE6-3C3C-48A8-B297-63551D948FE7}"/>
+              </a:ext>
+            </a:extLst>
+          </p:cNvPr>
+          <p:cNvSpPr txBox="1"/>
+          <p:nvPr/>
+        </p:nvSpPr>
+        <p:spPr>
+          <a:xfrm>
+            <a:off x="167885" y="1850369"/>
+            <a:ext cx="394660" cy="461665"/>
+          </a:xfrm>
+          <a:prstGeom prst="rect">
+            <a:avLst/>
+          </a:prstGeom>
+          <a:noFill/>
+        </p:spPr>
+        <p:txBody>
+          <a:bodyPr wrap="none" rtlCol="0">
+            <a:spAutoFit/>
+          </a:bodyPr>
+          <a:lstStyle/>
+          <a:p>
+            <a:r>
+              <a:rPr lang="en-US" altLang="ja-JP" sz="2400" b="1" dirty="0">
+                <a:latin typeface="Georgia" panose="02040502050405020303" pitchFamily="18" charset="0"/>
+              </a:rPr>
+              <a:t>T</a:t>
+            </a:r>
+            <a:endParaRPr kumimoji="1" lang="ja-JP" altLang="en-US" sz="2400" b="1" dirty="0">
+              <a:latin typeface="Georgia" panose="02040502050405020303" pitchFamily="18" charset="0"/>
+            </a:endParaRPr>
+          </a:p>
+        </p:txBody>
+      </p:sp>
+      <p:sp>
+        <p:nvSpPr>
+          <p:cNvPr id="40" name="テキスト ボックス 39">
+            <a:extLst>
+              <a:ext uri="{FF2B5EF4-FFF2-40B4-BE49-F238E27FC236}">
+                <a16:creationId xmlns:a16="http://schemas.microsoft.com/office/drawing/2014/main" id="{46CB54DD-079E-4CF2-BF5C-FD14A8B7D330}"/>
+              </a:ext>
+            </a:extLst>
+          </p:cNvPr>
+          <p:cNvSpPr txBox="1"/>
+          <p:nvPr/>
+        </p:nvSpPr>
+        <p:spPr>
+          <a:xfrm>
+            <a:off x="171152" y="2279556"/>
+            <a:ext cx="394660" cy="461665"/>
+          </a:xfrm>
+          <a:prstGeom prst="rect">
+            <a:avLst/>
+          </a:prstGeom>
+          <a:noFill/>
+        </p:spPr>
+        <p:txBody>
+          <a:bodyPr wrap="square" rtlCol="0">
+            <a:spAutoFit/>
+          </a:bodyPr>
+          <a:lstStyle/>
+          <a:p>
+            <a:r>
+              <a:rPr lang="en-US" altLang="ja-JP" sz="2400" b="1" dirty="0">
+                <a:latin typeface="Georgia" panose="02040502050405020303" pitchFamily="18" charset="0"/>
+              </a:rPr>
+              <a:t>S</a:t>
+            </a:r>
+            <a:endParaRPr kumimoji="1" lang="ja-JP" altLang="en-US" sz="2400" b="1" dirty="0">
+              <a:latin typeface="Georgia" panose="02040502050405020303" pitchFamily="18" charset="0"/>
+            </a:endParaRPr>
+          </a:p>
+        </p:txBody>
+      </p:sp>
+      <p:sp>
+        <p:nvSpPr>
+          <p:cNvPr id="42" name="テキスト ボックス 41">
+            <a:extLst>
+              <a:ext uri="{FF2B5EF4-FFF2-40B4-BE49-F238E27FC236}">
+                <a16:creationId xmlns:a16="http://schemas.microsoft.com/office/drawing/2014/main" id="{F4417F69-012B-415D-9BF8-6514D0F9777D}"/>
+              </a:ext>
+            </a:extLst>
+          </p:cNvPr>
+          <p:cNvSpPr txBox="1"/>
+          <p:nvPr/>
+        </p:nvSpPr>
+        <p:spPr>
+          <a:xfrm>
+            <a:off x="171332" y="2691280"/>
+            <a:ext cx="429926" cy="461665"/>
+          </a:xfrm>
+          <a:prstGeom prst="rect">
+            <a:avLst/>
+          </a:prstGeom>
+          <a:noFill/>
+        </p:spPr>
+        <p:txBody>
+          <a:bodyPr wrap="none" rtlCol="0">
+            <a:spAutoFit/>
+          </a:bodyPr>
+          <a:lstStyle/>
+          <a:p>
+            <a:r>
+              <a:rPr lang="en-US" altLang="ja-JP" sz="2400" b="1" dirty="0">
+                <a:latin typeface="Georgia" panose="02040502050405020303" pitchFamily="18" charset="0"/>
+              </a:rPr>
+              <a:t>R</a:t>
+            </a:r>
+            <a:endParaRPr kumimoji="1" lang="ja-JP" altLang="en-US" sz="2400" b="1" dirty="0">
+              <a:latin typeface="Georgia" panose="02040502050405020303" pitchFamily="18" charset="0"/>
+            </a:endParaRPr>
+          </a:p>
+        </p:txBody>
+      </p:sp>
+      <p:sp>
+        <p:nvSpPr>
+          <p:cNvPr id="12" name="楕円 11">
+            <a:extLst>
+              <a:ext uri="{FF2B5EF4-FFF2-40B4-BE49-F238E27FC236}">
+                <a16:creationId xmlns:a16="http://schemas.microsoft.com/office/drawing/2014/main" id="{671D4750-0F0B-4F1D-8D38-D8AF53228177}"/>
+              </a:ext>
+            </a:extLst>
+          </p:cNvPr>
+          <p:cNvSpPr/>
+          <p:nvPr/>
+        </p:nvSpPr>
+        <p:spPr>
+          <a:xfrm>
+            <a:off x="1568365" y="4398279"/>
+            <a:ext cx="783696" cy="769441"/>
+          </a:xfrm>
+          <a:prstGeom prst="ellipse">
+            <a:avLst/>
+          </a:prstGeom>
+          <a:solidFill>
+            <a:schemeClr val="bg1"/>
+          </a:solidFill>
+          <a:ln w="38100">
+            <a:solidFill>
+              <a:schemeClr val="bg2">
+                <a:lumMod val="10000"/>
+              </a:schemeClr>
+            </a:solidFill>
+          </a:ln>
+        </p:spPr>
+        <p:style>
+          <a:lnRef idx="2">
+            <a:schemeClr val="accent1">
+              <a:shade val="50000"/>
+            </a:schemeClr>
+          </a:lnRef>
+          <a:fillRef idx="1">
+            <a:schemeClr val="accent1"/>
+          </a:fillRef>
+          <a:effectRef idx="0">
+            <a:schemeClr val="accent1"/>
+          </a:effectRef>
+          <a:fontRef idx="minor">
+            <a:schemeClr val="lt1"/>
+          </a:fontRef>
+        </p:style>
+        <p:txBody>
+          <a:bodyPr rtlCol="0" anchor="ctr"/>
+          <a:lstStyle/>
+          <a:p>
+            <a:pPr algn="ctr"/>
+            <a:endParaRPr kumimoji="1" lang="ja-JP" altLang="en-US"/>
+          </a:p>
+        </p:txBody>
+      </p:sp>
+      <p:sp>
+        <p:nvSpPr>
+          <p:cNvPr id="15" name="テキスト ボックス 14">
+            <a:extLst>
+              <a:ext uri="{FF2B5EF4-FFF2-40B4-BE49-F238E27FC236}">
+                <a16:creationId xmlns:a16="http://schemas.microsoft.com/office/drawing/2014/main" id="{292B9D57-D22B-42A6-99B6-FABB3D49D59D}"/>
+              </a:ext>
+            </a:extLst>
+          </p:cNvPr>
+          <p:cNvSpPr txBox="1"/>
+          <p:nvPr/>
+        </p:nvSpPr>
+        <p:spPr>
+          <a:xfrm>
+            <a:off x="1693407" y="4396724"/>
+            <a:ext cx="533612" cy="769441"/>
+          </a:xfrm>
+          <a:prstGeom prst="rect">
+            <a:avLst/>
+          </a:prstGeom>
+          <a:noFill/>
+        </p:spPr>
+        <p:txBody>
+          <a:bodyPr wrap="square" rtlCol="0">
+            <a:spAutoFit/>
+          </a:bodyPr>
+          <a:lstStyle/>
+          <a:p>
+            <a:r>
+              <a:rPr kumimoji="1" lang="en-US" altLang="ja-JP" sz="4400" dirty="0">
+                <a:latin typeface="Cambria Math" panose="02040503050406030204" pitchFamily="18" charset="0"/>
+                <a:ea typeface="Cambria Math" panose="02040503050406030204" pitchFamily="18" charset="0"/>
+              </a:rPr>
+              <a:t>R</a:t>
+            </a:r>
+            <a:endParaRPr kumimoji="1" lang="ja-JP" altLang="en-US" sz="4400" dirty="0">
+              <a:latin typeface="Cambria Math" panose="02040503050406030204" pitchFamily="18" charset="0"/>
+            </a:endParaRPr>
+          </a:p>
+        </p:txBody>
+      </p:sp>
+      <p:cxnSp>
+        <p:nvCxnSpPr>
+          <p:cNvPr id="41" name="直線コネクタ 40">
+            <a:extLst>
+              <a:ext uri="{FF2B5EF4-FFF2-40B4-BE49-F238E27FC236}">
+                <a16:creationId xmlns:a16="http://schemas.microsoft.com/office/drawing/2014/main" id="{4C2B30E4-9EB5-40F8-ABAC-12C488795AA1}"/>
+              </a:ext>
+            </a:extLst>
+          </p:cNvPr>
+          <p:cNvCxnSpPr>
+            <a:cxnSpLocks/>
+          </p:cNvCxnSpPr>
+          <p:nvPr/>
+        </p:nvCxnSpPr>
+        <p:spPr>
+          <a:xfrm flipH="1">
+            <a:off x="7198793" y="4396724"/>
+            <a:ext cx="630406" cy="296652"/>
+          </a:xfrm>
+          <a:prstGeom prst="line">
+            <a:avLst/>
+          </a:prstGeom>
+          <a:ln w="19050">
+            <a:solidFill>
+              <a:schemeClr val="bg2">
+                <a:lumMod val="10000"/>
+              </a:schemeClr>
+            </a:solidFill>
+          </a:ln>
+        </p:spPr>
+        <p:style>
+          <a:lnRef idx="1">
+            <a:schemeClr val="accent1"/>
+          </a:lnRef>
+          <a:fillRef idx="0">
+            <a:schemeClr val="accent1"/>
+          </a:fillRef>
+          <a:effectRef idx="0">
+            <a:schemeClr val="accent1"/>
+          </a:effectRef>
+          <a:fontRef idx="minor">
+            <a:schemeClr val="tx1"/>
+          </a:fontRef>
+        </p:style>
+      </p:cxnSp>
+      <p:sp>
+        <p:nvSpPr>
+          <p:cNvPr id="43" name="楕円 42">
+            <a:extLst>
+              <a:ext uri="{FF2B5EF4-FFF2-40B4-BE49-F238E27FC236}">
+                <a16:creationId xmlns:a16="http://schemas.microsoft.com/office/drawing/2014/main" id="{65195C42-2B72-43CA-9B45-30A87577AE45}"/>
+              </a:ext>
+            </a:extLst>
+          </p:cNvPr>
+          <p:cNvSpPr/>
+          <p:nvPr/>
+        </p:nvSpPr>
+        <p:spPr>
+          <a:xfrm flipV="1">
+            <a:off x="7752379" y="4625916"/>
+            <a:ext cx="176092" cy="182966"/>
+          </a:xfrm>
+          <a:prstGeom prst="ellipse">
+            <a:avLst/>
+          </a:prstGeom>
+          <a:noFill/>
+          <a:ln w="28575">
+            <a:solidFill>
+              <a:schemeClr val="tx1"/>
+            </a:solidFill>
+          </a:ln>
+        </p:spPr>
+        <p:style>
+          <a:lnRef idx="2">
+            <a:schemeClr val="accent1">
+              <a:shade val="50000"/>
+            </a:schemeClr>
+          </a:lnRef>
+          <a:fillRef idx="1">
+            <a:schemeClr val="accent1"/>
+          </a:fillRef>
+          <a:effectRef idx="0">
+            <a:schemeClr val="accent1"/>
+          </a:effectRef>
+          <a:fontRef idx="minor">
+            <a:schemeClr val="lt1"/>
+          </a:fontRef>
+        </p:style>
+        <p:txBody>
+          <a:bodyPr rtlCol="0" anchor="ctr"/>
+          <a:lstStyle/>
+          <a:p>
+            <a:pPr algn="ctr"/>
+            <a:endParaRPr kumimoji="1" lang="ja-JP" altLang="en-US"/>
+          </a:p>
+        </p:txBody>
+      </p:sp>
+      <p:sp>
+        <p:nvSpPr>
+          <p:cNvPr id="44" name="楕円 43">
+            <a:extLst>
+              <a:ext uri="{FF2B5EF4-FFF2-40B4-BE49-F238E27FC236}">
+                <a16:creationId xmlns:a16="http://schemas.microsoft.com/office/drawing/2014/main" id="{0E9BCD05-B22B-4BC6-BB23-95E974922C24}"/>
+              </a:ext>
+            </a:extLst>
+          </p:cNvPr>
+          <p:cNvSpPr/>
+          <p:nvPr/>
+        </p:nvSpPr>
+        <p:spPr>
+          <a:xfrm flipV="1">
+            <a:off x="7191663" y="4625571"/>
+            <a:ext cx="176092" cy="182966"/>
+          </a:xfrm>
+          <a:prstGeom prst="ellipse">
+            <a:avLst/>
+          </a:prstGeom>
+          <a:noFill/>
+          <a:ln w="28575">
+            <a:solidFill>
+              <a:schemeClr val="tx1"/>
+            </a:solidFill>
+          </a:ln>
+        </p:spPr>
+        <p:style>
+          <a:lnRef idx="2">
+            <a:schemeClr val="accent1">
+              <a:shade val="50000"/>
+            </a:schemeClr>
+          </a:lnRef>
+          <a:fillRef idx="1">
+            <a:schemeClr val="accent1"/>
+          </a:fillRef>
+          <a:effectRef idx="0">
+            <a:schemeClr val="accent1"/>
+          </a:effectRef>
+          <a:fontRef idx="minor">
+            <a:schemeClr val="lt1"/>
+          </a:fontRef>
+        </p:style>
+        <p:txBody>
+          <a:bodyPr rtlCol="0" anchor="ctr"/>
+          <a:lstStyle/>
+          <a:p>
+            <a:pPr algn="ctr"/>
+            <a:endParaRPr kumimoji="1" lang="ja-JP" altLang="en-US"/>
+          </a:p>
+        </p:txBody>
+      </p:sp>
+      <p:sp>
+        <p:nvSpPr>
+          <p:cNvPr id="45" name="テキスト ボックス 44">
+            <a:extLst>
+              <a:ext uri="{FF2B5EF4-FFF2-40B4-BE49-F238E27FC236}">
+                <a16:creationId xmlns:a16="http://schemas.microsoft.com/office/drawing/2014/main" id="{BD877FB8-E624-4F6F-8C3D-F6ED26EC99EE}"/>
+              </a:ext>
+            </a:extLst>
+          </p:cNvPr>
+          <p:cNvSpPr txBox="1"/>
+          <p:nvPr/>
+        </p:nvSpPr>
+        <p:spPr>
+          <a:xfrm>
+            <a:off x="8199538" y="4530848"/>
+            <a:ext cx="492443" cy="461665"/>
+          </a:xfrm>
+          <a:prstGeom prst="rect">
+            <a:avLst/>
+          </a:prstGeom>
+          <a:noFill/>
+        </p:spPr>
+        <p:txBody>
+          <a:bodyPr wrap="none" rtlCol="0">
+            <a:spAutoFit/>
+          </a:bodyPr>
+          <a:lstStyle/>
+          <a:p>
+            <a:r>
+              <a:rPr kumimoji="1" lang="ja-JP" altLang="en-US" sz="2400" b="1" dirty="0">
+                <a:latin typeface="Georgia" panose="02040502050405020303" pitchFamily="18" charset="0"/>
+              </a:rPr>
+              <a:t>イ</a:t>
+            </a:r>
+          </a:p>
+        </p:txBody>
+      </p:sp>
+      <p:cxnSp>
+        <p:nvCxnSpPr>
+          <p:cNvPr id="31" name="直線コネクタ 30">
+            <a:extLst>
+              <a:ext uri="{FF2B5EF4-FFF2-40B4-BE49-F238E27FC236}">
+                <a16:creationId xmlns:a16="http://schemas.microsoft.com/office/drawing/2014/main" id="{E215D310-CAFE-4FD7-803E-6AB6D114C047}"/>
+              </a:ext>
+            </a:extLst>
+          </p:cNvPr>
+          <p:cNvCxnSpPr>
+            <a:cxnSpLocks/>
+          </p:cNvCxnSpPr>
+          <p:nvPr/>
+        </p:nvCxnSpPr>
+        <p:spPr>
+          <a:xfrm>
+            <a:off x="940328" y="944798"/>
+            <a:ext cx="5996803" cy="0"/>
+          </a:xfrm>
+          <a:prstGeom prst="line">
+            <a:avLst/>
+          </a:prstGeom>
+          <a:ln w="57150">
+            <a:solidFill>
+              <a:schemeClr val="accent1">
+                <a:lumMod val="60000"/>
+                <a:lumOff val="40000"/>
+              </a:schemeClr>
+            </a:solidFill>
+          </a:ln>
+        </p:spPr>
+        <p:style>
+          <a:lnRef idx="1">
+            <a:schemeClr val="accent1"/>
+          </a:lnRef>
+          <a:fillRef idx="0">
+            <a:schemeClr val="accent1"/>
+          </a:fillRef>
+          <a:effectRef idx="0">
+            <a:schemeClr val="accent1"/>
+          </a:effectRef>
+          <a:fontRef idx="minor">
+            <a:schemeClr val="tx1"/>
+          </a:fontRef>
+        </p:style>
+      </p:cxnSp>
+      <p:cxnSp>
+        <p:nvCxnSpPr>
+          <p:cNvPr id="34" name="直線コネクタ 33">
+            <a:extLst>
+              <a:ext uri="{FF2B5EF4-FFF2-40B4-BE49-F238E27FC236}">
+                <a16:creationId xmlns:a16="http://schemas.microsoft.com/office/drawing/2014/main" id="{C172C1B3-4ECF-4CFA-8185-22A9865D9F61}"/>
+              </a:ext>
+            </a:extLst>
+          </p:cNvPr>
+          <p:cNvCxnSpPr>
+            <a:cxnSpLocks/>
+          </p:cNvCxnSpPr>
+          <p:nvPr/>
+        </p:nvCxnSpPr>
+        <p:spPr>
+          <a:xfrm>
+            <a:off x="6928918" y="972972"/>
+            <a:ext cx="8213" cy="4882946"/>
+          </a:xfrm>
+          <a:prstGeom prst="line">
+            <a:avLst/>
+          </a:prstGeom>
+          <a:ln w="57150">
+            <a:solidFill>
+              <a:schemeClr val="accent1">
+                <a:lumMod val="60000"/>
+                <a:lumOff val="40000"/>
+              </a:schemeClr>
+            </a:solidFill>
+          </a:ln>
+        </p:spPr>
+        <p:style>
+          <a:lnRef idx="1">
+            <a:schemeClr val="accent1"/>
+          </a:lnRef>
+          <a:fillRef idx="0">
+            <a:schemeClr val="accent1"/>
+          </a:fillRef>
+          <a:effectRef idx="0">
+            <a:schemeClr val="accent1"/>
+          </a:effectRef>
+          <a:fontRef idx="minor">
+            <a:schemeClr val="tx1"/>
+          </a:fontRef>
+        </p:style>
+      </p:cxnSp>
+      <p:cxnSp>
+        <p:nvCxnSpPr>
+          <p:cNvPr id="37" name="直線コネクタ 36">
+            <a:extLst>
+              <a:ext uri="{FF2B5EF4-FFF2-40B4-BE49-F238E27FC236}">
+                <a16:creationId xmlns:a16="http://schemas.microsoft.com/office/drawing/2014/main" id="{3A77036A-163F-4E59-95AA-BBDA030B5AA3}"/>
+              </a:ext>
+            </a:extLst>
+          </p:cNvPr>
+          <p:cNvCxnSpPr>
+            <a:cxnSpLocks/>
+            <a:endCxn id="18" idx="2"/>
+          </p:cNvCxnSpPr>
+          <p:nvPr/>
+        </p:nvCxnSpPr>
+        <p:spPr>
+          <a:xfrm>
+            <a:off x="6909290" y="5855918"/>
+            <a:ext cx="174893" cy="16435"/>
+          </a:xfrm>
+          <a:prstGeom prst="line">
+            <a:avLst/>
+          </a:prstGeom>
+          <a:ln w="57150">
+            <a:solidFill>
+              <a:schemeClr val="accent1">
+                <a:lumMod val="60000"/>
+                <a:lumOff val="40000"/>
+              </a:schemeClr>
+            </a:solidFill>
+          </a:ln>
+        </p:spPr>
+        <p:style>
+          <a:lnRef idx="1">
+            <a:schemeClr val="accent1"/>
+          </a:lnRef>
+          <a:fillRef idx="0">
+            <a:schemeClr val="accent1"/>
+          </a:fillRef>
+          <a:effectRef idx="0">
+            <a:schemeClr val="accent1"/>
+          </a:effectRef>
+          <a:fontRef idx="minor">
+            <a:schemeClr val="tx1"/>
+          </a:fontRef>
+        </p:style>
+      </p:cxnSp>
+      <p:sp>
+        <p:nvSpPr>
+          <p:cNvPr id="23" name="楕円 22">
+            <a:extLst>
+              <a:ext uri="{FF2B5EF4-FFF2-40B4-BE49-F238E27FC236}">
+                <a16:creationId xmlns:a16="http://schemas.microsoft.com/office/drawing/2014/main" id="{E475D77F-160E-4A2F-8500-94B73272881C}"/>
+              </a:ext>
+            </a:extLst>
+          </p:cNvPr>
+          <p:cNvSpPr/>
+          <p:nvPr/>
+        </p:nvSpPr>
+        <p:spPr>
+          <a:xfrm flipV="1">
+            <a:off x="6849085" y="865054"/>
+            <a:ext cx="176092" cy="182966"/>
+          </a:xfrm>
+          <a:prstGeom prst="ellipse">
+            <a:avLst/>
+          </a:prstGeom>
+          <a:solidFill>
+            <a:schemeClr val="tx1"/>
+          </a:solidFill>
+          <a:ln w="28575">
+            <a:noFill/>
+          </a:ln>
+        </p:spPr>
+        <p:style>
+          <a:lnRef idx="2">
+            <a:schemeClr val="accent1">
+              <a:shade val="50000"/>
+            </a:schemeClr>
+          </a:lnRef>
+          <a:fillRef idx="1">
+            <a:schemeClr val="accent1"/>
+          </a:fillRef>
+          <a:effectRef idx="0">
+            <a:schemeClr val="accent1"/>
+          </a:effectRef>
+          <a:fontRef idx="minor">
+            <a:schemeClr val="lt1"/>
+          </a:fontRef>
+        </p:style>
+        <p:txBody>
+          <a:bodyPr rtlCol="0" anchor="ctr"/>
+          <a:lstStyle/>
+          <a:p>
+            <a:pPr algn="ctr"/>
+            <a:endParaRPr kumimoji="1" lang="ja-JP" altLang="en-US"/>
+          </a:p>
+        </p:txBody>
+      </p:sp>
+      <p:cxnSp>
+        <p:nvCxnSpPr>
+          <p:cNvPr id="48" name="直線コネクタ 47">
+            <a:extLst>
+              <a:ext uri="{FF2B5EF4-FFF2-40B4-BE49-F238E27FC236}">
+                <a16:creationId xmlns:a16="http://schemas.microsoft.com/office/drawing/2014/main" id="{925FEC4E-6A61-490D-8087-105E4FC852DD}"/>
+              </a:ext>
+            </a:extLst>
+          </p:cNvPr>
+          <p:cNvCxnSpPr>
+            <a:cxnSpLocks/>
+          </p:cNvCxnSpPr>
+          <p:nvPr/>
+        </p:nvCxnSpPr>
+        <p:spPr>
+          <a:xfrm flipH="1">
+            <a:off x="5479439" y="1001145"/>
+            <a:ext cx="1425744" cy="1080056"/>
+          </a:xfrm>
+          <a:prstGeom prst="line">
+            <a:avLst/>
+          </a:prstGeom>
+          <a:ln w="57150">
+            <a:solidFill>
+              <a:schemeClr val="accent1">
+                <a:lumMod val="60000"/>
+                <a:lumOff val="40000"/>
+              </a:schemeClr>
+            </a:solidFill>
+          </a:ln>
+        </p:spPr>
+        <p:style>
+          <a:lnRef idx="1">
+            <a:schemeClr val="accent1"/>
+          </a:lnRef>
+          <a:fillRef idx="0">
+            <a:schemeClr val="accent1"/>
+          </a:fillRef>
+          <a:effectRef idx="0">
+            <a:schemeClr val="accent1"/>
+          </a:effectRef>
+          <a:fontRef idx="minor">
+            <a:schemeClr val="tx1"/>
+          </a:fontRef>
+        </p:style>
+      </p:cxnSp>
+      <p:cxnSp>
+        <p:nvCxnSpPr>
+          <p:cNvPr id="49" name="直線コネクタ 48">
+            <a:extLst>
+              <a:ext uri="{FF2B5EF4-FFF2-40B4-BE49-F238E27FC236}">
+                <a16:creationId xmlns:a16="http://schemas.microsoft.com/office/drawing/2014/main" id="{AD378804-1C6F-4B46-8E31-1E5461EDBFEC}"/>
+              </a:ext>
+            </a:extLst>
+          </p:cNvPr>
+          <p:cNvCxnSpPr>
+            <a:cxnSpLocks/>
+          </p:cNvCxnSpPr>
+          <p:nvPr/>
+        </p:nvCxnSpPr>
+        <p:spPr>
+          <a:xfrm>
+            <a:off x="5492409" y="2070030"/>
+            <a:ext cx="0" cy="2209298"/>
+          </a:xfrm>
+          <a:prstGeom prst="line">
+            <a:avLst/>
+          </a:prstGeom>
+          <a:ln w="57150">
+            <a:solidFill>
+              <a:schemeClr val="accent1">
+                <a:lumMod val="60000"/>
+                <a:lumOff val="40000"/>
+              </a:schemeClr>
+            </a:solidFill>
+          </a:ln>
+        </p:spPr>
+        <p:style>
+          <a:lnRef idx="1">
+            <a:schemeClr val="accent1"/>
+          </a:lnRef>
+          <a:fillRef idx="0">
+            <a:schemeClr val="accent1"/>
+          </a:fillRef>
+          <a:effectRef idx="0">
+            <a:schemeClr val="accent1"/>
+          </a:effectRef>
+          <a:fontRef idx="minor">
+            <a:schemeClr val="tx1"/>
+          </a:fontRef>
+        </p:style>
+      </p:cxnSp>
+      <p:cxnSp>
+        <p:nvCxnSpPr>
+          <p:cNvPr id="38" name="直線コネクタ 37">
+            <a:extLst>
+              <a:ext uri="{FF2B5EF4-FFF2-40B4-BE49-F238E27FC236}">
+                <a16:creationId xmlns:a16="http://schemas.microsoft.com/office/drawing/2014/main" id="{3A9D7AAC-BEEE-4047-9908-527A33555138}"/>
+              </a:ext>
+            </a:extLst>
+          </p:cNvPr>
+          <p:cNvCxnSpPr>
+            <a:cxnSpLocks/>
+          </p:cNvCxnSpPr>
+          <p:nvPr/>
+        </p:nvCxnSpPr>
+        <p:spPr>
+          <a:xfrm flipH="1">
+            <a:off x="951805" y="1508743"/>
+            <a:ext cx="6976666" cy="35180"/>
+          </a:xfrm>
+          <a:prstGeom prst="line">
+            <a:avLst/>
+          </a:prstGeom>
+          <a:ln w="57150">
+            <a:solidFill>
+              <a:schemeClr val="bg2">
+                <a:lumMod val="10000"/>
+              </a:schemeClr>
+            </a:solidFill>
+          </a:ln>
+        </p:spPr>
+        <p:style>
+          <a:lnRef idx="1">
+            <a:schemeClr val="accent1"/>
+          </a:lnRef>
+          <a:fillRef idx="0">
+            <a:schemeClr val="accent1"/>
+          </a:fillRef>
+          <a:effectRef idx="0">
+            <a:schemeClr val="accent1"/>
+          </a:effectRef>
+          <a:fontRef idx="minor">
+            <a:schemeClr val="tx1"/>
+          </a:fontRef>
+        </p:style>
+      </p:cxnSp>
+      <p:cxnSp>
+        <p:nvCxnSpPr>
+          <p:cNvPr id="39" name="直線コネクタ 38">
+            <a:extLst>
+              <a:ext uri="{FF2B5EF4-FFF2-40B4-BE49-F238E27FC236}">
+                <a16:creationId xmlns:a16="http://schemas.microsoft.com/office/drawing/2014/main" id="{E5D4389F-6AD6-4138-87C0-E7364AB393E1}"/>
+              </a:ext>
+            </a:extLst>
+          </p:cNvPr>
+          <p:cNvCxnSpPr>
+            <a:cxnSpLocks/>
+            <a:endCxn id="43" idx="5"/>
+          </p:cNvCxnSpPr>
+          <p:nvPr/>
+        </p:nvCxnSpPr>
+        <p:spPr>
+          <a:xfrm>
+            <a:off x="7902683" y="1522153"/>
+            <a:ext cx="0" cy="3130558"/>
+          </a:xfrm>
+          <a:prstGeom prst="line">
+            <a:avLst/>
+          </a:prstGeom>
+          <a:ln w="57150">
+            <a:solidFill>
+              <a:schemeClr val="bg2">
+                <a:lumMod val="10000"/>
+              </a:schemeClr>
+            </a:solidFill>
+          </a:ln>
+        </p:spPr>
+        <p:style>
+          <a:lnRef idx="1">
+            <a:schemeClr val="accent1"/>
+          </a:lnRef>
+          <a:fillRef idx="0">
+            <a:schemeClr val="accent1"/>
+          </a:fillRef>
+          <a:effectRef idx="0">
+            <a:schemeClr val="accent1"/>
+          </a:effectRef>
+          <a:fontRef idx="minor">
+            <a:schemeClr val="tx1"/>
+          </a:fontRef>
+        </p:style>
+      </p:cxnSp>
+      <p:sp>
+        <p:nvSpPr>
+          <p:cNvPr id="19" name="楕円 18">
+            <a:extLst>
+              <a:ext uri="{FF2B5EF4-FFF2-40B4-BE49-F238E27FC236}">
+                <a16:creationId xmlns:a16="http://schemas.microsoft.com/office/drawing/2014/main" id="{9671E429-078F-487D-A17B-49ABFF91072E}"/>
+              </a:ext>
+            </a:extLst>
+          </p:cNvPr>
+          <p:cNvSpPr/>
+          <p:nvPr/>
+        </p:nvSpPr>
+        <p:spPr>
+          <a:xfrm flipV="1">
+            <a:off x="7814637" y="1417260"/>
+            <a:ext cx="176092" cy="182966"/>
+          </a:xfrm>
+          <a:prstGeom prst="ellipse">
+            <a:avLst/>
+          </a:prstGeom>
+          <a:solidFill>
+            <a:schemeClr val="tx1"/>
+          </a:solidFill>
+          <a:ln w="28575">
+            <a:noFill/>
+          </a:ln>
+        </p:spPr>
+        <p:style>
+          <a:lnRef idx="2">
+            <a:schemeClr val="accent1">
+              <a:shade val="50000"/>
+            </a:schemeClr>
+          </a:lnRef>
+          <a:fillRef idx="1">
+            <a:schemeClr val="accent1"/>
+          </a:fillRef>
+          <a:effectRef idx="0">
+            <a:schemeClr val="accent1"/>
+          </a:effectRef>
+          <a:fontRef idx="minor">
+            <a:schemeClr val="lt1"/>
+          </a:fontRef>
+        </p:style>
+        <p:txBody>
+          <a:bodyPr rtlCol="0" anchor="ctr"/>
+          <a:lstStyle/>
+          <a:p>
+            <a:pPr algn="ctr"/>
+            <a:endParaRPr kumimoji="1" lang="ja-JP" altLang="en-US"/>
+          </a:p>
+        </p:txBody>
+      </p:sp>
+      <p:sp>
+        <p:nvSpPr>
+          <p:cNvPr id="29" name="フリーフォーム: 図形 28">
+            <a:extLst>
+              <a:ext uri="{FF2B5EF4-FFF2-40B4-BE49-F238E27FC236}">
+                <a16:creationId xmlns:a16="http://schemas.microsoft.com/office/drawing/2014/main" id="{51C38E9D-7BB9-4F69-915C-9F00D6127492}"/>
+              </a:ext>
+            </a:extLst>
+          </p:cNvPr>
+          <p:cNvSpPr/>
+          <p:nvPr/>
+        </p:nvSpPr>
+        <p:spPr>
+          <a:xfrm rot="20442508">
+            <a:off x="7682416" y="4806766"/>
+            <a:ext cx="418406" cy="1090679"/>
+          </a:xfrm>
+          <a:custGeom>
+            <a:avLst/>
+            <a:gdLst>
+              <a:gd name="connsiteX0" fmla="*/ 545123 w 590895"/>
+              <a:gd name="connsiteY0" fmla="*/ 0 h 1213339"/>
+              <a:gd name="connsiteX1" fmla="*/ 536331 w 590895"/>
+              <a:gd name="connsiteY1" fmla="*/ 870439 h 1213339"/>
+              <a:gd name="connsiteX2" fmla="*/ 0 w 590895"/>
+              <a:gd name="connsiteY2" fmla="*/ 1213339 h 1213339"/>
+            </a:gdLst>
+            <a:ahLst/>
+            <a:cxnLst>
+              <a:cxn ang="0">
+                <a:pos x="connsiteX0" y="connsiteY0"/>
+              </a:cxn>
+              <a:cxn ang="0">
+                <a:pos x="connsiteX1" y="connsiteY1"/>
+              </a:cxn>
+              <a:cxn ang="0">
+                <a:pos x="connsiteX2" y="connsiteY2"/>
+              </a:cxn>
+            </a:cxnLst>
+            <a:rect l="l" t="t" r="r" b="b"/>
+            <a:pathLst>
+              <a:path w="590895" h="1213339">
+                <a:moveTo>
+                  <a:pt x="545123" y="0"/>
+                </a:moveTo>
+                <a:cubicBezTo>
+                  <a:pt x="586154" y="334108"/>
+                  <a:pt x="627185" y="668216"/>
+                  <a:pt x="536331" y="870439"/>
+                </a:cubicBezTo>
+                <a:cubicBezTo>
+                  <a:pt x="445477" y="1072662"/>
+                  <a:pt x="99646" y="1160585"/>
+                  <a:pt x="0" y="1213339"/>
+                </a:cubicBezTo>
+              </a:path>
+            </a:pathLst>
+          </a:custGeom>
+          <a:noFill/>
+          <a:ln w="38100">
+            <a:solidFill>
+              <a:schemeClr val="tx1"/>
+            </a:solidFill>
+          </a:ln>
+        </p:spPr>
+        <p:style>
+          <a:lnRef idx="2">
+            <a:schemeClr val="accent1">
+              <a:shade val="50000"/>
+            </a:schemeClr>
+          </a:lnRef>
+          <a:fillRef idx="1">
+            <a:schemeClr val="accent1"/>
+          </a:fillRef>
+          <a:effectRef idx="0">
+            <a:schemeClr val="accent1"/>
+          </a:effectRef>
+          <a:fontRef idx="minor">
+            <a:schemeClr val="lt1"/>
+          </a:fontRef>
+        </p:style>
+        <p:txBody>
+          <a:bodyPr rtlCol="0" anchor="ctr"/>
+          <a:lstStyle/>
+          <a:p>
+            <a:pPr algn="ctr"/>
+            <a:endParaRPr kumimoji="1" lang="ja-JP" altLang="en-US"/>
+          </a:p>
+        </p:txBody>
+      </p:sp>
+      <p:sp>
+        <p:nvSpPr>
+          <p:cNvPr id="58" name="テキスト ボックス 57">
+            <a:extLst>
+              <a:ext uri="{FF2B5EF4-FFF2-40B4-BE49-F238E27FC236}">
+                <a16:creationId xmlns:a16="http://schemas.microsoft.com/office/drawing/2014/main" id="{04E8D2B8-F02C-4598-9ECD-A5AF2CAB34C5}"/>
+              </a:ext>
+            </a:extLst>
+          </p:cNvPr>
+          <p:cNvSpPr txBox="1"/>
+          <p:nvPr/>
+        </p:nvSpPr>
+        <p:spPr>
+          <a:xfrm>
+            <a:off x="7149497" y="6199285"/>
+            <a:ext cx="3300904" cy="461665"/>
+          </a:xfrm>
+          <a:prstGeom prst="rect">
+            <a:avLst/>
+          </a:prstGeom>
+          <a:noFill/>
+        </p:spPr>
+        <p:txBody>
+          <a:bodyPr wrap="none" rtlCol="0">
+            <a:spAutoFit/>
+          </a:bodyPr>
+          <a:lstStyle/>
+          <a:p>
+            <a:r>
+              <a:rPr kumimoji="1" lang="en-US" altLang="ja-JP" sz="2400" b="1" dirty="0">
+                <a:solidFill>
+                  <a:schemeClr val="bg1">
+                    <a:lumMod val="65000"/>
+                  </a:schemeClr>
+                </a:solidFill>
+                <a:latin typeface="Georgia" panose="02040502050405020303" pitchFamily="18" charset="0"/>
+              </a:rPr>
+              <a:t>W</a:t>
+            </a:r>
+            <a:r>
+              <a:rPr kumimoji="1" lang="ja-JP" altLang="en-US" sz="2400" b="1" dirty="0">
+                <a:solidFill>
+                  <a:schemeClr val="bg1">
+                    <a:lumMod val="65000"/>
+                  </a:schemeClr>
+                </a:solidFill>
+                <a:latin typeface="Georgia" panose="02040502050405020303" pitchFamily="18" charset="0"/>
+              </a:rPr>
+              <a:t>：接地端子側に白線</a:t>
+            </a:r>
+          </a:p>
+        </p:txBody>
+      </p:sp>
+      <p:cxnSp>
+        <p:nvCxnSpPr>
+          <p:cNvPr id="59" name="直線矢印コネクタ 58">
+            <a:extLst>
+              <a:ext uri="{FF2B5EF4-FFF2-40B4-BE49-F238E27FC236}">
+                <a16:creationId xmlns:a16="http://schemas.microsoft.com/office/drawing/2014/main" id="{868600F4-B244-4968-8AAA-742CE1447B12}"/>
+              </a:ext>
+            </a:extLst>
+          </p:cNvPr>
+          <p:cNvCxnSpPr>
+            <a:cxnSpLocks/>
+            <a:stCxn id="58" idx="1"/>
+          </p:cNvCxnSpPr>
+          <p:nvPr/>
+        </p:nvCxnSpPr>
+        <p:spPr>
+          <a:xfrm flipH="1" flipV="1">
+            <a:off x="7025177" y="6072436"/>
+            <a:ext cx="124320" cy="357682"/>
+          </a:xfrm>
+          <a:prstGeom prst="straightConnector1">
+            <a:avLst/>
+          </a:prstGeom>
+          <a:ln w="38100">
+            <a:solidFill>
+              <a:schemeClr val="bg1">
+                <a:lumMod val="65000"/>
+              </a:schemeClr>
+            </a:solidFill>
+            <a:tailEnd type="triangle"/>
+          </a:ln>
+        </p:spPr>
+        <p:style>
+          <a:lnRef idx="3">
+            <a:schemeClr val="dk1"/>
+          </a:lnRef>
+          <a:fillRef idx="0">
+            <a:schemeClr val="dk1"/>
+          </a:fillRef>
+          <a:effectRef idx="2">
+            <a:schemeClr val="dk1"/>
+          </a:effectRef>
+          <a:fontRef idx="minor">
+            <a:schemeClr val="tx1"/>
+          </a:fontRef>
+        </p:style>
+      </p:cxnSp>
+      <p:sp>
+        <p:nvSpPr>
+          <p:cNvPr id="57" name="テキスト ボックス 56">
+            <a:extLst>
+              <a:ext uri="{FF2B5EF4-FFF2-40B4-BE49-F238E27FC236}">
+                <a16:creationId xmlns:a16="http://schemas.microsoft.com/office/drawing/2014/main" id="{8B929F67-7EC7-41D5-BFFE-C8B98384EBDE}"/>
+              </a:ext>
+            </a:extLst>
+          </p:cNvPr>
+          <p:cNvSpPr txBox="1"/>
+          <p:nvPr/>
+        </p:nvSpPr>
+        <p:spPr>
+          <a:xfrm>
+            <a:off x="4282040" y="5457353"/>
+            <a:ext cx="2646878" cy="461665"/>
+          </a:xfrm>
+          <a:prstGeom prst="rect">
+            <a:avLst/>
+          </a:prstGeom>
+          <a:noFill/>
+        </p:spPr>
+        <p:txBody>
+          <a:bodyPr wrap="none" rtlCol="0">
+            <a:spAutoFit/>
+          </a:bodyPr>
+          <a:lstStyle/>
+          <a:p>
+            <a:r>
+              <a:rPr kumimoji="1" lang="ja-JP" altLang="en-US" sz="2400" b="1" dirty="0">
+                <a:solidFill>
+                  <a:schemeClr val="bg1">
+                    <a:lumMod val="65000"/>
+                  </a:schemeClr>
+                </a:solidFill>
+                <a:latin typeface="Georgia" panose="02040502050405020303" pitchFamily="18" charset="0"/>
+              </a:rPr>
+              <a:t>接地端子側に白線</a:t>
+            </a:r>
+          </a:p>
+        </p:txBody>
+      </p:sp>
+      <p:cxnSp>
+        <p:nvCxnSpPr>
+          <p:cNvPr id="67" name="直線矢印コネクタ 66">
+            <a:extLst>
+              <a:ext uri="{FF2B5EF4-FFF2-40B4-BE49-F238E27FC236}">
+                <a16:creationId xmlns:a16="http://schemas.microsoft.com/office/drawing/2014/main" id="{D050614D-9C3E-455B-A39B-1BF4B099730C}"/>
+              </a:ext>
+            </a:extLst>
+          </p:cNvPr>
+          <p:cNvCxnSpPr>
+            <a:cxnSpLocks/>
+          </p:cNvCxnSpPr>
+          <p:nvPr/>
+        </p:nvCxnSpPr>
+        <p:spPr>
+          <a:xfrm flipV="1">
+            <a:off x="5435143" y="4975967"/>
+            <a:ext cx="0" cy="481386"/>
+          </a:xfrm>
+          <a:prstGeom prst="straightConnector1">
+            <a:avLst/>
+          </a:prstGeom>
+          <a:ln w="38100">
+            <a:solidFill>
+              <a:schemeClr val="bg1">
+                <a:lumMod val="65000"/>
+              </a:schemeClr>
+            </a:solidFill>
+            <a:tailEnd type="triangle"/>
+          </a:ln>
+        </p:spPr>
+        <p:style>
+          <a:lnRef idx="3">
+            <a:schemeClr val="dk1"/>
+          </a:lnRef>
+          <a:fillRef idx="0">
+            <a:schemeClr val="dk1"/>
+          </a:fillRef>
+          <a:effectRef idx="2">
+            <a:schemeClr val="dk1"/>
+          </a:effectRef>
+          <a:fontRef idx="minor">
+            <a:schemeClr val="tx1"/>
+          </a:fontRef>
+        </p:style>
+      </p:cxnSp>
+      <p:sp>
+        <p:nvSpPr>
+          <p:cNvPr id="61" name="テキスト ボックス 60">
+            <a:extLst>
+              <a:ext uri="{FF2B5EF4-FFF2-40B4-BE49-F238E27FC236}">
+                <a16:creationId xmlns:a16="http://schemas.microsoft.com/office/drawing/2014/main" id="{C0EBFD27-7BA8-4541-8A66-26EC2D37A5CA}"/>
+              </a:ext>
+            </a:extLst>
+          </p:cNvPr>
+          <p:cNvSpPr txBox="1"/>
+          <p:nvPr/>
+        </p:nvSpPr>
+        <p:spPr>
+          <a:xfrm>
+            <a:off x="8158163" y="5216660"/>
+            <a:ext cx="2339102" cy="461665"/>
+          </a:xfrm>
+          <a:prstGeom prst="rect">
+            <a:avLst/>
+          </a:prstGeom>
+          <a:noFill/>
+        </p:spPr>
+        <p:txBody>
+          <a:bodyPr wrap="none" rtlCol="0">
+            <a:spAutoFit/>
+          </a:bodyPr>
+          <a:lstStyle/>
+          <a:p>
+            <a:r>
+              <a:rPr kumimoji="1" lang="ja-JP" altLang="en-US" sz="2400" b="1" dirty="0">
+                <a:solidFill>
+                  <a:schemeClr val="bg1">
+                    <a:lumMod val="65000"/>
+                  </a:schemeClr>
+                </a:solidFill>
+                <a:latin typeface="Georgia" panose="02040502050405020303" pitchFamily="18" charset="0"/>
+              </a:rPr>
+              <a:t>わたり線は黒色</a:t>
+            </a:r>
+          </a:p>
+        </p:txBody>
+      </p:sp>
+      <p:cxnSp>
+        <p:nvCxnSpPr>
+          <p:cNvPr id="69" name="直線矢印コネクタ 68">
+            <a:extLst>
+              <a:ext uri="{FF2B5EF4-FFF2-40B4-BE49-F238E27FC236}">
+                <a16:creationId xmlns:a16="http://schemas.microsoft.com/office/drawing/2014/main" id="{E2F0B9A3-521C-4288-828E-277C62547CE6}"/>
+              </a:ext>
+            </a:extLst>
+          </p:cNvPr>
+          <p:cNvCxnSpPr>
+            <a:cxnSpLocks/>
+          </p:cNvCxnSpPr>
+          <p:nvPr/>
+        </p:nvCxnSpPr>
+        <p:spPr>
+          <a:xfrm flipH="1">
+            <a:off x="8158163" y="5671279"/>
+            <a:ext cx="867966" cy="110267"/>
+          </a:xfrm>
+          <a:prstGeom prst="straightConnector1">
+            <a:avLst/>
+          </a:prstGeom>
+          <a:ln w="38100">
+            <a:solidFill>
+              <a:schemeClr val="bg1">
+                <a:lumMod val="65000"/>
+              </a:schemeClr>
+            </a:solidFill>
+            <a:tailEnd type="triangle"/>
+          </a:ln>
+        </p:spPr>
+        <p:style>
+          <a:lnRef idx="3">
+            <a:schemeClr val="dk1"/>
+          </a:lnRef>
+          <a:fillRef idx="0">
+            <a:schemeClr val="dk1"/>
+          </a:fillRef>
+          <a:effectRef idx="2">
+            <a:schemeClr val="dk1"/>
+          </a:effectRef>
+          <a:fontRef idx="minor">
+            <a:schemeClr val="tx1"/>
+          </a:fontRef>
+        </p:style>
+      </p:cxnSp>
+      <p:cxnSp>
+        <p:nvCxnSpPr>
+          <p:cNvPr id="47" name="直線コネクタ 46">
+            <a:extLst>
+              <a:ext uri="{FF2B5EF4-FFF2-40B4-BE49-F238E27FC236}">
+                <a16:creationId xmlns:a16="http://schemas.microsoft.com/office/drawing/2014/main" id="{168705A6-AAA5-4260-BB44-06139722003E}"/>
+              </a:ext>
+            </a:extLst>
+          </p:cNvPr>
+          <p:cNvCxnSpPr>
+            <a:cxnSpLocks/>
+          </p:cNvCxnSpPr>
+          <p:nvPr/>
+        </p:nvCxnSpPr>
+        <p:spPr>
+          <a:xfrm flipH="1">
+            <a:off x="7279709" y="1799140"/>
+            <a:ext cx="12700" cy="2826431"/>
+          </a:xfrm>
+          <a:prstGeom prst="line">
+            <a:avLst/>
+          </a:prstGeom>
+          <a:ln w="57150">
+            <a:solidFill>
+              <a:srgbClr val="FF0000"/>
+            </a:solidFill>
+          </a:ln>
+        </p:spPr>
+        <p:style>
+          <a:lnRef idx="1">
+            <a:schemeClr val="accent1"/>
+          </a:lnRef>
+          <a:fillRef idx="0">
+            <a:schemeClr val="accent1"/>
+          </a:fillRef>
+          <a:effectRef idx="0">
+            <a:schemeClr val="accent1"/>
+          </a:effectRef>
+          <a:fontRef idx="minor">
+            <a:schemeClr val="tx1"/>
+          </a:fontRef>
+        </p:style>
+      </p:cxnSp>
+      <p:cxnSp>
+        <p:nvCxnSpPr>
+          <p:cNvPr id="51" name="直線コネクタ 50">
+            <a:extLst>
+              <a:ext uri="{FF2B5EF4-FFF2-40B4-BE49-F238E27FC236}">
+                <a16:creationId xmlns:a16="http://schemas.microsoft.com/office/drawing/2014/main" id="{7B71F161-275F-487B-95A2-4163859C27A0}"/>
+              </a:ext>
+            </a:extLst>
+          </p:cNvPr>
+          <p:cNvCxnSpPr>
+            <a:cxnSpLocks/>
+          </p:cNvCxnSpPr>
+          <p:nvPr/>
+        </p:nvCxnSpPr>
+        <p:spPr>
+          <a:xfrm flipH="1">
+            <a:off x="5970832" y="1795290"/>
+            <a:ext cx="1296497" cy="738657"/>
+          </a:xfrm>
+          <a:prstGeom prst="line">
+            <a:avLst/>
+          </a:prstGeom>
+          <a:ln w="57150">
+            <a:solidFill>
+              <a:schemeClr val="tx1">
+                <a:lumMod val="95000"/>
+                <a:lumOff val="5000"/>
+              </a:schemeClr>
+            </a:solidFill>
+          </a:ln>
+        </p:spPr>
+        <p:style>
+          <a:lnRef idx="1">
+            <a:schemeClr val="accent1"/>
+          </a:lnRef>
+          <a:fillRef idx="0">
+            <a:schemeClr val="accent1"/>
+          </a:fillRef>
+          <a:effectRef idx="0">
+            <a:schemeClr val="accent1"/>
+          </a:effectRef>
+          <a:fontRef idx="minor">
+            <a:schemeClr val="tx1"/>
+          </a:fontRef>
+        </p:style>
+      </p:cxnSp>
+      <p:cxnSp>
+        <p:nvCxnSpPr>
+          <p:cNvPr id="52" name="直線コネクタ 51">
+            <a:extLst>
+              <a:ext uri="{FF2B5EF4-FFF2-40B4-BE49-F238E27FC236}">
+                <a16:creationId xmlns:a16="http://schemas.microsoft.com/office/drawing/2014/main" id="{AA7B95E1-5071-4650-B6F2-B9C376674207}"/>
+              </a:ext>
+            </a:extLst>
+          </p:cNvPr>
+          <p:cNvCxnSpPr>
+            <a:cxnSpLocks/>
+          </p:cNvCxnSpPr>
+          <p:nvPr/>
+        </p:nvCxnSpPr>
+        <p:spPr>
+          <a:xfrm>
+            <a:off x="5973959" y="2500248"/>
+            <a:ext cx="1" cy="1797027"/>
+          </a:xfrm>
+          <a:prstGeom prst="line">
+            <a:avLst/>
+          </a:prstGeom>
+          <a:ln w="57150">
+            <a:solidFill>
+              <a:schemeClr val="tx1"/>
+            </a:solidFill>
+          </a:ln>
+        </p:spPr>
+        <p:style>
+          <a:lnRef idx="1">
+            <a:schemeClr val="accent1"/>
+          </a:lnRef>
+          <a:fillRef idx="0">
+            <a:schemeClr val="accent1"/>
+          </a:fillRef>
+          <a:effectRef idx="0">
+            <a:schemeClr val="accent1"/>
+          </a:effectRef>
+          <a:fontRef idx="minor">
+            <a:schemeClr val="tx1"/>
+          </a:fontRef>
+        </p:style>
+      </p:cxnSp>
+      <p:cxnSp>
+        <p:nvCxnSpPr>
+          <p:cNvPr id="53" name="直線コネクタ 52">
+            <a:extLst>
+              <a:ext uri="{FF2B5EF4-FFF2-40B4-BE49-F238E27FC236}">
+                <a16:creationId xmlns:a16="http://schemas.microsoft.com/office/drawing/2014/main" id="{0922AAA1-9DC3-488D-9AFB-18AD5437D811}"/>
+              </a:ext>
+            </a:extLst>
+          </p:cNvPr>
+          <p:cNvCxnSpPr>
+            <a:cxnSpLocks/>
+          </p:cNvCxnSpPr>
+          <p:nvPr/>
+        </p:nvCxnSpPr>
+        <p:spPr>
+          <a:xfrm flipH="1">
+            <a:off x="913327" y="2051521"/>
+            <a:ext cx="2624537" cy="12868"/>
+          </a:xfrm>
+          <a:prstGeom prst="line">
+            <a:avLst/>
+          </a:prstGeom>
+          <a:ln w="57150">
+            <a:solidFill>
+              <a:schemeClr val="bg2">
+                <a:lumMod val="10000"/>
+              </a:schemeClr>
+            </a:solidFill>
+          </a:ln>
+        </p:spPr>
+        <p:style>
+          <a:lnRef idx="1">
+            <a:schemeClr val="accent1"/>
+          </a:lnRef>
+          <a:fillRef idx="0">
+            <a:schemeClr val="accent1"/>
+          </a:fillRef>
+          <a:effectRef idx="0">
+            <a:schemeClr val="accent1"/>
+          </a:effectRef>
+          <a:fontRef idx="minor">
+            <a:schemeClr val="tx1"/>
+          </a:fontRef>
+        </p:style>
+      </p:cxnSp>
+      <p:cxnSp>
+        <p:nvCxnSpPr>
+          <p:cNvPr id="54" name="直線コネクタ 53">
+            <a:extLst>
+              <a:ext uri="{FF2B5EF4-FFF2-40B4-BE49-F238E27FC236}">
+                <a16:creationId xmlns:a16="http://schemas.microsoft.com/office/drawing/2014/main" id="{3B929F69-9A5B-4AF6-84E9-48C0DCBC2E72}"/>
+              </a:ext>
+            </a:extLst>
+          </p:cNvPr>
+          <p:cNvCxnSpPr>
+            <a:cxnSpLocks/>
+          </p:cNvCxnSpPr>
+          <p:nvPr/>
+        </p:nvCxnSpPr>
+        <p:spPr>
+          <a:xfrm flipH="1" flipV="1">
+            <a:off x="3511977" y="2043695"/>
+            <a:ext cx="51774" cy="3634630"/>
+          </a:xfrm>
+          <a:prstGeom prst="line">
+            <a:avLst/>
+          </a:prstGeom>
+          <a:ln w="57150">
+            <a:solidFill>
+              <a:schemeClr val="bg2">
+                <a:lumMod val="10000"/>
+              </a:schemeClr>
+            </a:solidFill>
+          </a:ln>
+        </p:spPr>
+        <p:style>
+          <a:lnRef idx="1">
+            <a:schemeClr val="accent1"/>
+          </a:lnRef>
+          <a:fillRef idx="0">
+            <a:schemeClr val="accent1"/>
+          </a:fillRef>
+          <a:effectRef idx="0">
+            <a:schemeClr val="accent1"/>
+          </a:effectRef>
+          <a:fontRef idx="minor">
+            <a:schemeClr val="tx1"/>
+          </a:fontRef>
+        </p:style>
+      </p:cxnSp>
+      <p:sp>
+        <p:nvSpPr>
+          <p:cNvPr id="16" name="楕円 15">
+            <a:extLst>
+              <a:ext uri="{FF2B5EF4-FFF2-40B4-BE49-F238E27FC236}">
+                <a16:creationId xmlns:a16="http://schemas.microsoft.com/office/drawing/2014/main" id="{C69480E3-C398-4146-8672-E17835B9343F}"/>
+              </a:ext>
+            </a:extLst>
+          </p:cNvPr>
+          <p:cNvSpPr/>
+          <p:nvPr/>
+        </p:nvSpPr>
+        <p:spPr>
+          <a:xfrm flipV="1">
+            <a:off x="7211867" y="1707657"/>
+            <a:ext cx="176092" cy="182966"/>
+          </a:xfrm>
+          <a:prstGeom prst="ellipse">
+            <a:avLst/>
+          </a:prstGeom>
+          <a:solidFill>
+            <a:schemeClr val="tx1"/>
+          </a:solidFill>
+          <a:ln w="28575">
+            <a:noFill/>
+          </a:ln>
+        </p:spPr>
+        <p:style>
+          <a:lnRef idx="2">
+            <a:schemeClr val="accent1">
+              <a:shade val="50000"/>
+            </a:schemeClr>
+          </a:lnRef>
+          <a:fillRef idx="1">
+            <a:schemeClr val="accent1"/>
+          </a:fillRef>
+          <a:effectRef idx="0">
+            <a:schemeClr val="accent1"/>
+          </a:effectRef>
+          <a:fontRef idx="minor">
+            <a:schemeClr val="lt1"/>
+          </a:fontRef>
+        </p:style>
+        <p:txBody>
+          <a:bodyPr rtlCol="0" anchor="ctr"/>
+          <a:lstStyle/>
+          <a:p>
+            <a:pPr algn="ctr"/>
+            <a:endParaRPr kumimoji="1" lang="ja-JP" altLang="en-US"/>
+          </a:p>
+        </p:txBody>
+      </p:sp>
+      <p:cxnSp>
+        <p:nvCxnSpPr>
+          <p:cNvPr id="60" name="直線コネクタ 59">
+            <a:extLst>
+              <a:ext uri="{FF2B5EF4-FFF2-40B4-BE49-F238E27FC236}">
+                <a16:creationId xmlns:a16="http://schemas.microsoft.com/office/drawing/2014/main" id="{8315662E-0CBE-4610-ACE1-058E3359566E}"/>
+              </a:ext>
+            </a:extLst>
+          </p:cNvPr>
+          <p:cNvCxnSpPr>
+            <a:cxnSpLocks/>
+          </p:cNvCxnSpPr>
+          <p:nvPr/>
+        </p:nvCxnSpPr>
+        <p:spPr>
+          <a:xfrm>
+            <a:off x="908380" y="2534091"/>
+            <a:ext cx="2317561" cy="0"/>
+          </a:xfrm>
+          <a:prstGeom prst="line">
+            <a:avLst/>
+          </a:prstGeom>
+          <a:ln w="57150">
+            <a:solidFill>
+              <a:schemeClr val="accent1">
+                <a:lumMod val="60000"/>
+                <a:lumOff val="40000"/>
+              </a:schemeClr>
+            </a:solidFill>
+          </a:ln>
+        </p:spPr>
+        <p:style>
+          <a:lnRef idx="1">
+            <a:schemeClr val="accent1"/>
+          </a:lnRef>
+          <a:fillRef idx="0">
+            <a:schemeClr val="accent1"/>
+          </a:fillRef>
+          <a:effectRef idx="0">
+            <a:schemeClr val="accent1"/>
+          </a:effectRef>
+          <a:fontRef idx="minor">
+            <a:schemeClr val="tx1"/>
+          </a:fontRef>
+        </p:style>
+      </p:cxnSp>
+      <p:cxnSp>
+        <p:nvCxnSpPr>
+          <p:cNvPr id="62" name="直線コネクタ 61">
+            <a:extLst>
+              <a:ext uri="{FF2B5EF4-FFF2-40B4-BE49-F238E27FC236}">
+                <a16:creationId xmlns:a16="http://schemas.microsoft.com/office/drawing/2014/main" id="{39E6CEDA-BDEA-4148-9E62-235492D36FCF}"/>
+              </a:ext>
+            </a:extLst>
+          </p:cNvPr>
+          <p:cNvCxnSpPr>
+            <a:cxnSpLocks/>
+            <a:endCxn id="3" idx="0"/>
+          </p:cNvCxnSpPr>
+          <p:nvPr/>
+        </p:nvCxnSpPr>
+        <p:spPr>
+          <a:xfrm>
+            <a:off x="3205860" y="2510388"/>
+            <a:ext cx="20081" cy="2960811"/>
+          </a:xfrm>
+          <a:prstGeom prst="line">
+            <a:avLst/>
+          </a:prstGeom>
+          <a:ln w="57150">
+            <a:solidFill>
+              <a:schemeClr val="accent1">
+                <a:lumMod val="60000"/>
+                <a:lumOff val="40000"/>
+              </a:schemeClr>
+            </a:solidFill>
+          </a:ln>
+        </p:spPr>
+        <p:style>
+          <a:lnRef idx="1">
+            <a:schemeClr val="accent1"/>
+          </a:lnRef>
+          <a:fillRef idx="0">
+            <a:schemeClr val="accent1"/>
+          </a:fillRef>
+          <a:effectRef idx="0">
+            <a:schemeClr val="accent1"/>
+          </a:effectRef>
+          <a:fontRef idx="minor">
+            <a:schemeClr val="tx1"/>
+          </a:fontRef>
+        </p:style>
+      </p:cxnSp>
+      <p:cxnSp>
+        <p:nvCxnSpPr>
+          <p:cNvPr id="63" name="直線コネクタ 62">
+            <a:extLst>
+              <a:ext uri="{FF2B5EF4-FFF2-40B4-BE49-F238E27FC236}">
+                <a16:creationId xmlns:a16="http://schemas.microsoft.com/office/drawing/2014/main" id="{A404A702-9683-4DEA-8BB7-03826240B47E}"/>
+              </a:ext>
+            </a:extLst>
+          </p:cNvPr>
+          <p:cNvCxnSpPr>
+            <a:cxnSpLocks/>
+          </p:cNvCxnSpPr>
+          <p:nvPr/>
+        </p:nvCxnSpPr>
+        <p:spPr>
+          <a:xfrm>
+            <a:off x="2916436" y="2987054"/>
+            <a:ext cx="27762" cy="2579397"/>
+          </a:xfrm>
+          <a:prstGeom prst="line">
+            <a:avLst/>
+          </a:prstGeom>
+          <a:ln w="57150">
+            <a:solidFill>
+              <a:srgbClr val="FF0000"/>
+            </a:solidFill>
+          </a:ln>
+        </p:spPr>
+        <p:style>
+          <a:lnRef idx="1">
+            <a:schemeClr val="accent1"/>
+          </a:lnRef>
+          <a:fillRef idx="0">
+            <a:schemeClr val="accent1"/>
+          </a:fillRef>
+          <a:effectRef idx="0">
+            <a:schemeClr val="accent1"/>
+          </a:effectRef>
+          <a:fontRef idx="minor">
+            <a:schemeClr val="tx1"/>
+          </a:fontRef>
+        </p:style>
+      </p:cxnSp>
+      <p:cxnSp>
+        <p:nvCxnSpPr>
+          <p:cNvPr id="68" name="直線コネクタ 67">
+            <a:extLst>
+              <a:ext uri="{FF2B5EF4-FFF2-40B4-BE49-F238E27FC236}">
+                <a16:creationId xmlns:a16="http://schemas.microsoft.com/office/drawing/2014/main" id="{255824D1-9884-4A4B-B250-59DCC58B64FD}"/>
+              </a:ext>
+            </a:extLst>
+          </p:cNvPr>
+          <p:cNvCxnSpPr>
+            <a:cxnSpLocks/>
+          </p:cNvCxnSpPr>
+          <p:nvPr/>
+        </p:nvCxnSpPr>
+        <p:spPr>
+          <a:xfrm flipH="1">
+            <a:off x="950986" y="2987054"/>
+            <a:ext cx="1958020" cy="17251"/>
+          </a:xfrm>
+          <a:prstGeom prst="line">
+            <a:avLst/>
+          </a:prstGeom>
+          <a:ln w="57150">
+            <a:solidFill>
+              <a:srgbClr val="FF0000"/>
+            </a:solidFill>
+          </a:ln>
+        </p:spPr>
+        <p:style>
+          <a:lnRef idx="1">
+            <a:schemeClr val="accent1"/>
+          </a:lnRef>
+          <a:fillRef idx="0">
+            <a:schemeClr val="accent1"/>
+          </a:fillRef>
+          <a:effectRef idx="0">
+            <a:schemeClr val="accent1"/>
+          </a:effectRef>
+          <a:fontRef idx="minor">
+            <a:schemeClr val="tx1"/>
+          </a:fontRef>
+        </p:style>
+      </p:cxnSp>
+      <p:sp>
+        <p:nvSpPr>
+          <p:cNvPr id="36" name="楕円 35">
+            <a:extLst>
+              <a:ext uri="{FF2B5EF4-FFF2-40B4-BE49-F238E27FC236}">
+                <a16:creationId xmlns:a16="http://schemas.microsoft.com/office/drawing/2014/main" id="{2C9922E4-4EB0-4D6E-AAFE-AE01CF0CF3CF}"/>
+              </a:ext>
+            </a:extLst>
+          </p:cNvPr>
+          <p:cNvSpPr/>
+          <p:nvPr/>
+        </p:nvSpPr>
+        <p:spPr>
+          <a:xfrm flipV="1">
+            <a:off x="3417309" y="2000588"/>
+            <a:ext cx="176092" cy="182966"/>
+          </a:xfrm>
+          <a:prstGeom prst="ellipse">
+            <a:avLst/>
+          </a:prstGeom>
+          <a:solidFill>
+            <a:schemeClr val="tx1"/>
+          </a:solidFill>
+          <a:ln w="28575">
+            <a:noFill/>
+          </a:ln>
+        </p:spPr>
+        <p:style>
+          <a:lnRef idx="2">
+            <a:schemeClr val="accent1">
+              <a:shade val="50000"/>
+            </a:schemeClr>
+          </a:lnRef>
+          <a:fillRef idx="1">
+            <a:schemeClr val="accent1"/>
+          </a:fillRef>
+          <a:effectRef idx="0">
+            <a:schemeClr val="accent1"/>
+          </a:effectRef>
+          <a:fontRef idx="minor">
+            <a:schemeClr val="lt1"/>
+          </a:fontRef>
+        </p:style>
+        <p:txBody>
+          <a:bodyPr rtlCol="0" anchor="ctr"/>
+          <a:lstStyle/>
+          <a:p>
+            <a:pPr algn="ctr"/>
+            <a:endParaRPr kumimoji="1" lang="ja-JP" altLang="en-US"/>
+          </a:p>
+        </p:txBody>
+      </p:sp>
+      <p:sp>
+        <p:nvSpPr>
+          <p:cNvPr id="46" name="楕円 45">
+            <a:extLst>
+              <a:ext uri="{FF2B5EF4-FFF2-40B4-BE49-F238E27FC236}">
+                <a16:creationId xmlns:a16="http://schemas.microsoft.com/office/drawing/2014/main" id="{674A93AC-8074-44B3-B09F-7D2D0CCC40A0}"/>
+              </a:ext>
+            </a:extLst>
+          </p:cNvPr>
+          <p:cNvSpPr/>
+          <p:nvPr/>
+        </p:nvSpPr>
+        <p:spPr>
+          <a:xfrm flipV="1">
+            <a:off x="3099171" y="2441925"/>
+            <a:ext cx="176092" cy="182966"/>
+          </a:xfrm>
+          <a:prstGeom prst="ellipse">
+            <a:avLst/>
+          </a:prstGeom>
+          <a:solidFill>
+            <a:schemeClr val="tx1"/>
+          </a:solidFill>
+          <a:ln w="28575">
+            <a:noFill/>
+          </a:ln>
+        </p:spPr>
+        <p:style>
+          <a:lnRef idx="2">
+            <a:schemeClr val="accent1">
+              <a:shade val="50000"/>
+            </a:schemeClr>
+          </a:lnRef>
+          <a:fillRef idx="1">
+            <a:schemeClr val="accent1"/>
+          </a:fillRef>
+          <a:effectRef idx="0">
+            <a:schemeClr val="accent1"/>
+          </a:effectRef>
+          <a:fontRef idx="minor">
+            <a:schemeClr val="lt1"/>
+          </a:fontRef>
+        </p:style>
+        <p:txBody>
+          <a:bodyPr rtlCol="0" anchor="ctr"/>
+          <a:lstStyle/>
+          <a:p>
+            <a:pPr algn="ctr"/>
+            <a:endParaRPr kumimoji="1" lang="ja-JP" altLang="en-US"/>
+          </a:p>
+        </p:txBody>
+      </p:sp>
+      <p:sp>
+        <p:nvSpPr>
+          <p:cNvPr id="55" name="楕円 54">
+            <a:extLst>
+              <a:ext uri="{FF2B5EF4-FFF2-40B4-BE49-F238E27FC236}">
+                <a16:creationId xmlns:a16="http://schemas.microsoft.com/office/drawing/2014/main" id="{C21C59B9-435D-4F5E-98B1-C077BF2F9671}"/>
+              </a:ext>
+            </a:extLst>
+          </p:cNvPr>
+          <p:cNvSpPr/>
+          <p:nvPr/>
+        </p:nvSpPr>
+        <p:spPr>
+          <a:xfrm flipV="1">
+            <a:off x="2862400" y="2922648"/>
+            <a:ext cx="176092" cy="182966"/>
+          </a:xfrm>
+          <a:prstGeom prst="ellipse">
+            <a:avLst/>
+          </a:prstGeom>
+          <a:solidFill>
+            <a:schemeClr val="tx1"/>
+          </a:solidFill>
+          <a:ln w="28575">
+            <a:noFill/>
+          </a:ln>
+        </p:spPr>
+        <p:style>
+          <a:lnRef idx="2">
+            <a:schemeClr val="accent1">
+              <a:shade val="50000"/>
+            </a:schemeClr>
+          </a:lnRef>
+          <a:fillRef idx="1">
+            <a:schemeClr val="accent1"/>
+          </a:fillRef>
+          <a:effectRef idx="0">
+            <a:schemeClr val="accent1"/>
+          </a:effectRef>
+          <a:fontRef idx="minor">
+            <a:schemeClr val="lt1"/>
+          </a:fontRef>
+        </p:style>
+        <p:txBody>
+          <a:bodyPr rtlCol="0" anchor="ctr"/>
+          <a:lstStyle/>
+          <a:p>
+            <a:pPr algn="ctr"/>
+            <a:endParaRPr kumimoji="1" lang="ja-JP" altLang="en-US"/>
+          </a:p>
+        </p:txBody>
+      </p:sp>
+      <p:cxnSp>
+        <p:nvCxnSpPr>
+          <p:cNvPr id="70" name="直線コネクタ 69">
+            <a:extLst>
+              <a:ext uri="{FF2B5EF4-FFF2-40B4-BE49-F238E27FC236}">
+                <a16:creationId xmlns:a16="http://schemas.microsoft.com/office/drawing/2014/main" id="{D5A3CF9E-2D92-4C0C-AE53-BA3DC90DCF36}"/>
+              </a:ext>
+            </a:extLst>
+          </p:cNvPr>
+          <p:cNvCxnSpPr>
+            <a:cxnSpLocks/>
+          </p:cNvCxnSpPr>
+          <p:nvPr/>
+        </p:nvCxnSpPr>
+        <p:spPr>
+          <a:xfrm>
+            <a:off x="2178498" y="3499338"/>
+            <a:ext cx="12521" cy="935047"/>
+          </a:xfrm>
+          <a:prstGeom prst="line">
+            <a:avLst/>
+          </a:prstGeom>
+          <a:ln w="57150">
+            <a:solidFill>
+              <a:schemeClr val="accent1">
+                <a:lumMod val="60000"/>
+                <a:lumOff val="40000"/>
+              </a:schemeClr>
+            </a:solidFill>
+          </a:ln>
+        </p:spPr>
+        <p:style>
+          <a:lnRef idx="1">
+            <a:schemeClr val="accent1"/>
+          </a:lnRef>
+          <a:fillRef idx="0">
+            <a:schemeClr val="accent1"/>
+          </a:fillRef>
+          <a:effectRef idx="0">
+            <a:schemeClr val="accent1"/>
+          </a:effectRef>
+          <a:fontRef idx="minor">
+            <a:schemeClr val="tx1"/>
+          </a:fontRef>
+        </p:style>
+      </p:cxnSp>
+      <p:cxnSp>
+        <p:nvCxnSpPr>
+          <p:cNvPr id="71" name="直線コネクタ 70">
+            <a:extLst>
+              <a:ext uri="{FF2B5EF4-FFF2-40B4-BE49-F238E27FC236}">
+                <a16:creationId xmlns:a16="http://schemas.microsoft.com/office/drawing/2014/main" id="{06D02504-58AE-4DDC-95F5-84CDAFF30A00}"/>
+              </a:ext>
+            </a:extLst>
+          </p:cNvPr>
+          <p:cNvCxnSpPr>
+            <a:cxnSpLocks/>
+          </p:cNvCxnSpPr>
+          <p:nvPr/>
+        </p:nvCxnSpPr>
+        <p:spPr>
+          <a:xfrm flipH="1" flipV="1">
+            <a:off x="1742094" y="3499338"/>
+            <a:ext cx="6070" cy="935047"/>
+          </a:xfrm>
+          <a:prstGeom prst="line">
+            <a:avLst/>
+          </a:prstGeom>
+          <a:ln w="57150">
+            <a:solidFill>
+              <a:schemeClr val="bg2">
+                <a:lumMod val="10000"/>
+              </a:schemeClr>
+            </a:solidFill>
+          </a:ln>
+        </p:spPr>
+        <p:style>
+          <a:lnRef idx="1">
+            <a:schemeClr val="accent1"/>
+          </a:lnRef>
+          <a:fillRef idx="0">
+            <a:schemeClr val="accent1"/>
+          </a:fillRef>
+          <a:effectRef idx="0">
+            <a:schemeClr val="accent1"/>
+          </a:effectRef>
+          <a:fontRef idx="minor">
+            <a:schemeClr val="tx1"/>
+          </a:fontRef>
+        </p:style>
+      </p:cxnSp>
+      <p:cxnSp>
+        <p:nvCxnSpPr>
+          <p:cNvPr id="72" name="直線コネクタ 71">
+            <a:extLst>
+              <a:ext uri="{FF2B5EF4-FFF2-40B4-BE49-F238E27FC236}">
+                <a16:creationId xmlns:a16="http://schemas.microsoft.com/office/drawing/2014/main" id="{55363151-BB6F-424B-A977-57DF0DEA8C38}"/>
+              </a:ext>
+            </a:extLst>
+          </p:cNvPr>
+          <p:cNvCxnSpPr>
+            <a:cxnSpLocks/>
+          </p:cNvCxnSpPr>
+          <p:nvPr/>
+        </p:nvCxnSpPr>
+        <p:spPr>
+          <a:xfrm flipV="1">
+            <a:off x="1758497" y="2081712"/>
+            <a:ext cx="1715631" cy="1417625"/>
+          </a:xfrm>
+          <a:prstGeom prst="line">
+            <a:avLst/>
+          </a:prstGeom>
+          <a:ln w="57150">
+            <a:solidFill>
+              <a:schemeClr val="bg2">
+                <a:lumMod val="10000"/>
+              </a:schemeClr>
+            </a:solidFill>
+          </a:ln>
+        </p:spPr>
+        <p:style>
+          <a:lnRef idx="1">
+            <a:schemeClr val="accent1"/>
+          </a:lnRef>
+          <a:fillRef idx="0">
+            <a:schemeClr val="accent1"/>
+          </a:fillRef>
+          <a:effectRef idx="0">
+            <a:schemeClr val="accent1"/>
+          </a:effectRef>
+          <a:fontRef idx="minor">
+            <a:schemeClr val="tx1"/>
+          </a:fontRef>
+        </p:style>
+      </p:cxnSp>
+      <p:cxnSp>
+        <p:nvCxnSpPr>
+          <p:cNvPr id="73" name="直線コネクタ 72">
+            <a:extLst>
+              <a:ext uri="{FF2B5EF4-FFF2-40B4-BE49-F238E27FC236}">
+                <a16:creationId xmlns:a16="http://schemas.microsoft.com/office/drawing/2014/main" id="{4BB32168-A09B-4712-BCE3-1C2304E954F6}"/>
+              </a:ext>
+            </a:extLst>
+          </p:cNvPr>
+          <p:cNvCxnSpPr>
+            <a:cxnSpLocks/>
+          </p:cNvCxnSpPr>
+          <p:nvPr/>
+        </p:nvCxnSpPr>
+        <p:spPr>
+          <a:xfrm flipH="1">
+            <a:off x="2159821" y="2571987"/>
+            <a:ext cx="962355" cy="924416"/>
+          </a:xfrm>
+          <a:prstGeom prst="line">
+            <a:avLst/>
+          </a:prstGeom>
+          <a:ln w="57150">
+            <a:solidFill>
+              <a:schemeClr val="accent1">
+                <a:lumMod val="60000"/>
+                <a:lumOff val="40000"/>
+              </a:schemeClr>
+            </a:solidFill>
+          </a:ln>
+        </p:spPr>
+        <p:style>
+          <a:lnRef idx="1">
+            <a:schemeClr val="accent1"/>
+          </a:lnRef>
+          <a:fillRef idx="0">
+            <a:schemeClr val="accent1"/>
+          </a:fillRef>
+          <a:effectRef idx="0">
+            <a:schemeClr val="accent1"/>
+          </a:effectRef>
+          <a:fontRef idx="minor">
+            <a:schemeClr val="tx1"/>
+          </a:fontRef>
+        </p:style>
+      </p:cxnSp>
+      <p:sp>
+        <p:nvSpPr>
+          <p:cNvPr id="74" name="テキスト ボックス 73">
+            <a:extLst>
+              <a:ext uri="{FF2B5EF4-FFF2-40B4-BE49-F238E27FC236}">
+                <a16:creationId xmlns:a16="http://schemas.microsoft.com/office/drawing/2014/main" id="{32462061-6340-432A-966B-B70290388E01}"/>
+              </a:ext>
+            </a:extLst>
+          </p:cNvPr>
+          <p:cNvSpPr txBox="1"/>
+          <p:nvPr/>
+        </p:nvSpPr>
+        <p:spPr>
+          <a:xfrm>
+            <a:off x="374717" y="6272865"/>
+            <a:ext cx="3570208" cy="461665"/>
+          </a:xfrm>
+          <a:prstGeom prst="rect">
+            <a:avLst/>
+          </a:prstGeom>
+          <a:noFill/>
+        </p:spPr>
+        <p:txBody>
+          <a:bodyPr wrap="none" rtlCol="0">
+            <a:spAutoFit/>
+          </a:bodyPr>
+          <a:lstStyle/>
+          <a:p>
+            <a:r>
+              <a:rPr kumimoji="1" lang="ja-JP" altLang="en-US" sz="2400" b="1" dirty="0">
+                <a:solidFill>
+                  <a:schemeClr val="bg1">
+                    <a:lumMod val="65000"/>
+                  </a:schemeClr>
+                </a:solidFill>
+                <a:latin typeface="Georgia" panose="02040502050405020303" pitchFamily="18" charset="0"/>
+              </a:rPr>
+              <a:t>受金ねじ部の端子に白線</a:t>
+            </a:r>
+          </a:p>
+        </p:txBody>
+      </p:sp>
+      <p:cxnSp>
+        <p:nvCxnSpPr>
+          <p:cNvPr id="75" name="直線矢印コネクタ 74">
+            <a:extLst>
+              <a:ext uri="{FF2B5EF4-FFF2-40B4-BE49-F238E27FC236}">
+                <a16:creationId xmlns:a16="http://schemas.microsoft.com/office/drawing/2014/main" id="{33851C13-562A-46B3-A282-D3A73E266A1C}"/>
+              </a:ext>
+            </a:extLst>
+          </p:cNvPr>
+          <p:cNvCxnSpPr>
+            <a:cxnSpLocks/>
+            <a:stCxn id="74" idx="0"/>
+          </p:cNvCxnSpPr>
+          <p:nvPr/>
+        </p:nvCxnSpPr>
+        <p:spPr>
+          <a:xfrm flipV="1">
+            <a:off x="2159821" y="5274173"/>
+            <a:ext cx="20718" cy="998692"/>
+          </a:xfrm>
+          <a:prstGeom prst="straightConnector1">
+            <a:avLst/>
+          </a:prstGeom>
+          <a:ln w="38100">
+            <a:solidFill>
+              <a:schemeClr val="bg1">
+                <a:lumMod val="65000"/>
+              </a:schemeClr>
+            </a:solidFill>
+            <a:tailEnd type="triangle"/>
+          </a:ln>
+        </p:spPr>
+        <p:style>
+          <a:lnRef idx="3">
+            <a:schemeClr val="dk1"/>
+          </a:lnRef>
+          <a:fillRef idx="0">
+            <a:schemeClr val="dk1"/>
+          </a:fillRef>
+          <a:effectRef idx="2">
+            <a:schemeClr val="dk1"/>
+          </a:effectRef>
+          <a:fontRef idx="minor">
+            <a:schemeClr val="tx1"/>
+          </a:fontRef>
+        </p:style>
+      </p:cxnSp>
+      <p:sp>
+        <p:nvSpPr>
+          <p:cNvPr id="2" name="テキスト ボックス 1">
+            <a:extLst>
+              <a:ext uri="{FF2B5EF4-FFF2-40B4-BE49-F238E27FC236}">
+                <a16:creationId xmlns:a16="http://schemas.microsoft.com/office/drawing/2014/main" id="{6FE23D88-20CB-49EB-AF37-A600BF4D2B35}"/>
+              </a:ext>
+            </a:extLst>
+          </p:cNvPr>
+          <p:cNvSpPr txBox="1"/>
+          <p:nvPr/>
+        </p:nvSpPr>
+        <p:spPr>
+          <a:xfrm>
+            <a:off x="3791166" y="1581470"/>
+            <a:ext cx="2031325" cy="461665"/>
+          </a:xfrm>
+          <a:prstGeom prst="rect">
+            <a:avLst/>
+          </a:prstGeom>
+          <a:noFill/>
+        </p:spPr>
+        <p:txBody>
+          <a:bodyPr wrap="none" rtlCol="0">
+            <a:spAutoFit/>
+          </a:bodyPr>
+          <a:lstStyle/>
+          <a:p>
+            <a:r>
+              <a:rPr lang="ja-JP" altLang="en-US" sz="2400" b="1" dirty="0">
+                <a:solidFill>
+                  <a:srgbClr val="FF0000"/>
+                </a:solidFill>
+                <a:latin typeface="Georgia" panose="02040502050405020303" pitchFamily="18" charset="0"/>
+              </a:rPr>
+              <a:t>コネクタ：３</a:t>
+            </a:r>
+            <a:endParaRPr kumimoji="1" lang="ja-JP" altLang="en-US" sz="2400" b="1" dirty="0">
+              <a:solidFill>
+                <a:srgbClr val="FF0000"/>
+              </a:solidFill>
+              <a:latin typeface="Georgia" panose="02040502050405020303" pitchFamily="18" charset="0"/>
+            </a:endParaRPr>
+          </a:p>
+        </p:txBody>
+      </p:sp>
+      <p:cxnSp>
+        <p:nvCxnSpPr>
+          <p:cNvPr id="77" name="直線矢印コネクタ 76">
+            <a:extLst>
+              <a:ext uri="{FF2B5EF4-FFF2-40B4-BE49-F238E27FC236}">
+                <a16:creationId xmlns:a16="http://schemas.microsoft.com/office/drawing/2014/main" id="{E027DCBD-2305-42D7-9E5F-27814189A1FD}"/>
+              </a:ext>
+            </a:extLst>
+          </p:cNvPr>
+          <p:cNvCxnSpPr>
+            <a:cxnSpLocks/>
+          </p:cNvCxnSpPr>
+          <p:nvPr/>
+        </p:nvCxnSpPr>
+        <p:spPr>
+          <a:xfrm flipH="1">
+            <a:off x="3326493" y="2011470"/>
+            <a:ext cx="1624147" cy="592974"/>
+          </a:xfrm>
+          <a:prstGeom prst="straightConnector1">
+            <a:avLst/>
+          </a:prstGeom>
+          <a:ln w="38100">
+            <a:solidFill>
+              <a:srgbClr val="FF0000"/>
+            </a:solidFill>
+            <a:tailEnd type="triangle"/>
+          </a:ln>
+        </p:spPr>
+        <p:style>
+          <a:lnRef idx="3">
+            <a:schemeClr val="dk1"/>
+          </a:lnRef>
+          <a:fillRef idx="0">
+            <a:schemeClr val="dk1"/>
+          </a:fillRef>
+          <a:effectRef idx="2">
+            <a:schemeClr val="dk1"/>
+          </a:effectRef>
+          <a:fontRef idx="minor">
+            <a:schemeClr val="tx1"/>
+          </a:fontRef>
+        </p:style>
+      </p:cxnSp>
+      <p:cxnSp>
+        <p:nvCxnSpPr>
+          <p:cNvPr id="78" name="直線矢印コネクタ 77">
+            <a:extLst>
+              <a:ext uri="{FF2B5EF4-FFF2-40B4-BE49-F238E27FC236}">
+                <a16:creationId xmlns:a16="http://schemas.microsoft.com/office/drawing/2014/main" id="{7A6E8BC1-8623-4273-B462-676968F5E8C5}"/>
+              </a:ext>
+            </a:extLst>
+          </p:cNvPr>
+          <p:cNvCxnSpPr>
+            <a:cxnSpLocks/>
+          </p:cNvCxnSpPr>
+          <p:nvPr/>
+        </p:nvCxnSpPr>
+        <p:spPr>
+          <a:xfrm flipH="1">
+            <a:off x="3646031" y="1973923"/>
+            <a:ext cx="896937" cy="147099"/>
+          </a:xfrm>
+          <a:prstGeom prst="straightConnector1">
+            <a:avLst/>
+          </a:prstGeom>
+          <a:ln w="38100">
+            <a:solidFill>
+              <a:srgbClr val="FF0000"/>
+            </a:solidFill>
+            <a:tailEnd type="triangle"/>
+          </a:ln>
+        </p:spPr>
+        <p:style>
+          <a:lnRef idx="3">
+            <a:schemeClr val="dk1"/>
+          </a:lnRef>
+          <a:fillRef idx="0">
+            <a:schemeClr val="dk1"/>
+          </a:fillRef>
+          <a:effectRef idx="2">
+            <a:schemeClr val="dk1"/>
+          </a:effectRef>
+          <a:fontRef idx="minor">
+            <a:schemeClr val="tx1"/>
+          </a:fontRef>
+        </p:style>
+      </p:cxnSp>
+      <p:sp>
+        <p:nvSpPr>
+          <p:cNvPr id="24" name="テキスト ボックス 23">
+            <a:extLst>
+              <a:ext uri="{FF2B5EF4-FFF2-40B4-BE49-F238E27FC236}">
+                <a16:creationId xmlns:a16="http://schemas.microsoft.com/office/drawing/2014/main" id="{B6A907C1-0D3B-4A8D-B956-B4F8CFD50DDF}"/>
+              </a:ext>
+            </a:extLst>
+          </p:cNvPr>
+          <p:cNvSpPr txBox="1"/>
+          <p:nvPr/>
+        </p:nvSpPr>
+        <p:spPr>
+          <a:xfrm>
+            <a:off x="3574154" y="3336043"/>
+            <a:ext cx="2031325" cy="461665"/>
+          </a:xfrm>
+          <a:prstGeom prst="rect">
+            <a:avLst/>
+          </a:prstGeom>
+          <a:noFill/>
+        </p:spPr>
+        <p:txBody>
+          <a:bodyPr wrap="none" rtlCol="0">
+            <a:spAutoFit/>
+          </a:bodyPr>
+          <a:lstStyle/>
+          <a:p>
+            <a:r>
+              <a:rPr lang="ja-JP" altLang="en-US" sz="2400" b="1" dirty="0">
+                <a:solidFill>
+                  <a:srgbClr val="FF0000"/>
+                </a:solidFill>
+                <a:latin typeface="Georgia" panose="02040502050405020303" pitchFamily="18" charset="0"/>
+              </a:rPr>
+              <a:t>コネクタ：２</a:t>
+            </a:r>
+            <a:endParaRPr kumimoji="1" lang="ja-JP" altLang="en-US" sz="2400" b="1" dirty="0">
+              <a:solidFill>
+                <a:srgbClr val="FF0000"/>
+              </a:solidFill>
+              <a:latin typeface="Georgia" panose="02040502050405020303" pitchFamily="18" charset="0"/>
+            </a:endParaRPr>
+          </a:p>
+        </p:txBody>
+      </p:sp>
+      <p:cxnSp>
+        <p:nvCxnSpPr>
+          <p:cNvPr id="80" name="直線矢印コネクタ 79">
+            <a:extLst>
+              <a:ext uri="{FF2B5EF4-FFF2-40B4-BE49-F238E27FC236}">
+                <a16:creationId xmlns:a16="http://schemas.microsoft.com/office/drawing/2014/main" id="{8C5B4A67-CAC6-4B04-84EE-A953D42C3FEC}"/>
+              </a:ext>
+            </a:extLst>
+          </p:cNvPr>
+          <p:cNvCxnSpPr>
+            <a:cxnSpLocks/>
+          </p:cNvCxnSpPr>
+          <p:nvPr/>
+        </p:nvCxnSpPr>
+        <p:spPr>
+          <a:xfrm flipH="1" flipV="1">
+            <a:off x="3048367" y="3011296"/>
+            <a:ext cx="1012458" cy="346001"/>
+          </a:xfrm>
+          <a:prstGeom prst="straightConnector1">
+            <a:avLst/>
+          </a:prstGeom>
+          <a:ln w="38100">
+            <a:solidFill>
+              <a:srgbClr val="FF0000"/>
+            </a:solidFill>
+            <a:tailEnd type="triangle"/>
+          </a:ln>
+        </p:spPr>
+        <p:style>
+          <a:lnRef idx="3">
+            <a:schemeClr val="dk1"/>
+          </a:lnRef>
+          <a:fillRef idx="0">
+            <a:schemeClr val="dk1"/>
+          </a:fillRef>
+          <a:effectRef idx="2">
+            <a:schemeClr val="dk1"/>
+          </a:effectRef>
+          <a:fontRef idx="minor">
+            <a:schemeClr val="tx1"/>
+          </a:fontRef>
+        </p:style>
+      </p:cxnSp>
+      <p:cxnSp>
+        <p:nvCxnSpPr>
+          <p:cNvPr id="81" name="直線矢印コネクタ 80">
+            <a:extLst>
+              <a:ext uri="{FF2B5EF4-FFF2-40B4-BE49-F238E27FC236}">
+                <a16:creationId xmlns:a16="http://schemas.microsoft.com/office/drawing/2014/main" id="{27DD4005-A3F3-4B23-B57A-6A8ED934AF30}"/>
+              </a:ext>
+            </a:extLst>
+          </p:cNvPr>
+          <p:cNvCxnSpPr>
+            <a:cxnSpLocks/>
+          </p:cNvCxnSpPr>
+          <p:nvPr/>
+        </p:nvCxnSpPr>
+        <p:spPr>
+          <a:xfrm flipH="1" flipV="1">
+            <a:off x="7440981" y="1974528"/>
+            <a:ext cx="957111" cy="590294"/>
+          </a:xfrm>
+          <a:prstGeom prst="straightConnector1">
+            <a:avLst/>
+          </a:prstGeom>
+          <a:ln w="38100">
+            <a:solidFill>
+              <a:srgbClr val="FF0000"/>
+            </a:solidFill>
+            <a:tailEnd type="triangle"/>
+          </a:ln>
+        </p:spPr>
+        <p:style>
+          <a:lnRef idx="3">
+            <a:schemeClr val="dk1"/>
+          </a:lnRef>
+          <a:fillRef idx="0">
+            <a:schemeClr val="dk1"/>
+          </a:fillRef>
+          <a:effectRef idx="2">
+            <a:schemeClr val="dk1"/>
+          </a:effectRef>
+          <a:fontRef idx="minor">
+            <a:schemeClr val="tx1"/>
+          </a:fontRef>
+        </p:style>
+      </p:cxnSp>
+      <p:sp>
+        <p:nvSpPr>
+          <p:cNvPr id="32" name="テキスト ボックス 31">
+            <a:extLst>
+              <a:ext uri="{FF2B5EF4-FFF2-40B4-BE49-F238E27FC236}">
+                <a16:creationId xmlns:a16="http://schemas.microsoft.com/office/drawing/2014/main" id="{5B5CAFB8-4F61-4BB0-B3C4-52A7B48F0DC9}"/>
+              </a:ext>
+            </a:extLst>
+          </p:cNvPr>
+          <p:cNvSpPr txBox="1"/>
+          <p:nvPr/>
+        </p:nvSpPr>
+        <p:spPr>
+          <a:xfrm>
+            <a:off x="8026533" y="2599026"/>
+            <a:ext cx="1415772" cy="461665"/>
+          </a:xfrm>
+          <a:prstGeom prst="rect">
+            <a:avLst/>
+          </a:prstGeom>
+          <a:noFill/>
+        </p:spPr>
+        <p:txBody>
+          <a:bodyPr wrap="none" rtlCol="0">
+            <a:spAutoFit/>
+          </a:bodyPr>
+          <a:lstStyle/>
+          <a:p>
+            <a:r>
+              <a:rPr lang="ja-JP" altLang="en-US" sz="2400" b="1" dirty="0">
+                <a:solidFill>
+                  <a:srgbClr val="FF0000"/>
+                </a:solidFill>
+                <a:latin typeface="Georgia" panose="02040502050405020303" pitchFamily="18" charset="0"/>
+              </a:rPr>
+              <a:t>刻印：○</a:t>
+            </a:r>
+            <a:endParaRPr kumimoji="1" lang="ja-JP" altLang="en-US" sz="2400" b="1" dirty="0">
+              <a:solidFill>
+                <a:srgbClr val="FF0000"/>
+              </a:solidFill>
+              <a:latin typeface="Georgia" panose="02040502050405020303" pitchFamily="18" charset="0"/>
+            </a:endParaRPr>
+          </a:p>
+        </p:txBody>
+      </p:sp>
+      <p:sp>
+        <p:nvSpPr>
+          <p:cNvPr id="33" name="テキスト ボックス 32">
+            <a:extLst>
+              <a:ext uri="{FF2B5EF4-FFF2-40B4-BE49-F238E27FC236}">
+                <a16:creationId xmlns:a16="http://schemas.microsoft.com/office/drawing/2014/main" id="{DDD8B6AF-C911-4DFD-85F3-D217786746ED}"/>
+              </a:ext>
+            </a:extLst>
+          </p:cNvPr>
+          <p:cNvSpPr txBox="1"/>
+          <p:nvPr/>
+        </p:nvSpPr>
+        <p:spPr>
+          <a:xfrm>
+            <a:off x="8607015" y="878548"/>
+            <a:ext cx="1415772" cy="461665"/>
+          </a:xfrm>
+          <a:prstGeom prst="rect">
+            <a:avLst/>
+          </a:prstGeom>
+          <a:noFill/>
+        </p:spPr>
+        <p:txBody>
+          <a:bodyPr wrap="none" rtlCol="0">
+            <a:spAutoFit/>
+          </a:bodyPr>
+          <a:lstStyle/>
+          <a:p>
+            <a:r>
+              <a:rPr lang="ja-JP" altLang="en-US" sz="2400" b="1" dirty="0">
+                <a:solidFill>
+                  <a:srgbClr val="FF0000"/>
+                </a:solidFill>
+                <a:latin typeface="Georgia" panose="02040502050405020303" pitchFamily="18" charset="0"/>
+              </a:rPr>
+              <a:t>刻印：小</a:t>
+            </a:r>
+            <a:endParaRPr kumimoji="1" lang="ja-JP" altLang="en-US" sz="2400" b="1" dirty="0">
+              <a:solidFill>
+                <a:srgbClr val="FF0000"/>
+              </a:solidFill>
+              <a:latin typeface="Georgia" panose="02040502050405020303" pitchFamily="18" charset="0"/>
+            </a:endParaRPr>
+          </a:p>
+        </p:txBody>
+      </p:sp>
+      <p:cxnSp>
+        <p:nvCxnSpPr>
+          <p:cNvPr id="84" name="直線矢印コネクタ 83">
+            <a:extLst>
+              <a:ext uri="{FF2B5EF4-FFF2-40B4-BE49-F238E27FC236}">
+                <a16:creationId xmlns:a16="http://schemas.microsoft.com/office/drawing/2014/main" id="{251FC009-8DAB-496A-945D-16A99B0B799A}"/>
+              </a:ext>
+            </a:extLst>
+          </p:cNvPr>
+          <p:cNvCxnSpPr>
+            <a:cxnSpLocks/>
+          </p:cNvCxnSpPr>
+          <p:nvPr/>
+        </p:nvCxnSpPr>
+        <p:spPr>
+          <a:xfrm flipH="1">
+            <a:off x="8060190" y="1319100"/>
+            <a:ext cx="1127468" cy="184341"/>
+          </a:xfrm>
+          <a:prstGeom prst="straightConnector1">
+            <a:avLst/>
+          </a:prstGeom>
+          <a:ln w="38100">
+            <a:solidFill>
+              <a:srgbClr val="FF0000"/>
+            </a:solidFill>
+            <a:tailEnd type="triangle"/>
+          </a:ln>
+        </p:spPr>
+        <p:style>
+          <a:lnRef idx="3">
+            <a:schemeClr val="dk1"/>
+          </a:lnRef>
+          <a:fillRef idx="0">
+            <a:schemeClr val="dk1"/>
+          </a:fillRef>
+          <a:effectRef idx="2">
+            <a:schemeClr val="dk1"/>
+          </a:effectRef>
+          <a:fontRef idx="minor">
+            <a:schemeClr val="tx1"/>
+          </a:fontRef>
+        </p:style>
+      </p:cxnSp>
+      <p:cxnSp>
+        <p:nvCxnSpPr>
+          <p:cNvPr id="85" name="直線矢印コネクタ 84">
+            <a:extLst>
+              <a:ext uri="{FF2B5EF4-FFF2-40B4-BE49-F238E27FC236}">
+                <a16:creationId xmlns:a16="http://schemas.microsoft.com/office/drawing/2014/main" id="{DD534C92-FC9B-49CD-9C9C-7525C5F00630}"/>
+              </a:ext>
+            </a:extLst>
+          </p:cNvPr>
+          <p:cNvCxnSpPr>
+            <a:cxnSpLocks/>
+            <a:stCxn id="33" idx="1"/>
+          </p:cNvCxnSpPr>
+          <p:nvPr/>
+        </p:nvCxnSpPr>
+        <p:spPr>
+          <a:xfrm flipH="1" flipV="1">
+            <a:off x="7211867" y="951111"/>
+            <a:ext cx="1395148" cy="158270"/>
+          </a:xfrm>
+          <a:prstGeom prst="straightConnector1">
+            <a:avLst/>
+          </a:prstGeom>
+          <a:ln w="38100">
+            <a:solidFill>
+              <a:srgbClr val="FF0000"/>
+            </a:solidFill>
+            <a:tailEnd type="triangle"/>
+          </a:ln>
+        </p:spPr>
+        <p:style>
+          <a:lnRef idx="3">
+            <a:schemeClr val="dk1"/>
+          </a:lnRef>
+          <a:fillRef idx="0">
+            <a:schemeClr val="dk1"/>
+          </a:fillRef>
+          <a:effectRef idx="2">
+            <a:schemeClr val="dk1"/>
+          </a:effectRef>
+          <a:fontRef idx="minor">
+            <a:schemeClr val="tx1"/>
+          </a:fontRef>
+        </p:style>
+      </p:cxnSp>
+      <p:sp>
+        <p:nvSpPr>
+          <p:cNvPr id="76" name="テキスト ボックス 68">
+            <a:extLst>
+              <a:ext uri="{FF2B5EF4-FFF2-40B4-BE49-F238E27FC236}">
+                <a16:creationId xmlns:a16="http://schemas.microsoft.com/office/drawing/2014/main" id="{73A418D4-32E1-4B74-8792-3B6D605519B1}"/>
+              </a:ext>
+            </a:extLst>
+          </p:cNvPr>
+          <p:cNvSpPr txBox="1"/>
+          <p:nvPr/>
+        </p:nvSpPr>
+        <p:spPr>
+          <a:xfrm>
+            <a:off x="2308612" y="158572"/>
+            <a:ext cx="2053767" cy="830997"/>
+          </a:xfrm>
+          <a:prstGeom prst="rect">
+            <a:avLst/>
+          </a:prstGeom>
+          <a:noFill/>
+        </p:spPr>
+        <p:txBody>
+          <a:bodyPr wrap="none" rtlCol="0">
+            <a:spAutoFit/>
+          </a:bodyPr>
+          <a:lstStyle>
+            <a:defPPr>
+              <a:defRPr lang="ja-JP"/>
+            </a:defPPr>
+            <a:lvl1pPr marL="0" algn="l" defTabSz="914400" rtl="0" eaLnBrk="1" latinLnBrk="0" hangingPunct="1">
+              <a:defRPr kumimoji="1" sz="1800" kern="1200">
+                <a:solidFill>
+                  <a:schemeClr val="tx1"/>
+                </a:solidFill>
+                <a:latin typeface="+mn-lt"/>
+                <a:ea typeface="+mn-ea"/>
+                <a:cs typeface="+mn-cs"/>
+              </a:defRPr>
+            </a:lvl1pPr>
+            <a:lvl2pPr marL="457200" algn="l" defTabSz="914400" rtl="0" eaLnBrk="1" latinLnBrk="0" hangingPunct="1">
+              <a:defRPr kumimoji="1" sz="1800" kern="1200">
+                <a:solidFill>
+                  <a:schemeClr val="tx1"/>
+                </a:solidFill>
+                <a:latin typeface="+mn-lt"/>
+                <a:ea typeface="+mn-ea"/>
+                <a:cs typeface="+mn-cs"/>
+              </a:defRPr>
+            </a:lvl2pPr>
+            <a:lvl3pPr marL="914400" algn="l" defTabSz="914400" rtl="0" eaLnBrk="1" latinLnBrk="0" hangingPunct="1">
+              <a:defRPr kumimoji="1" sz="1800" kern="1200">
+                <a:solidFill>
+                  <a:schemeClr val="tx1"/>
+                </a:solidFill>
+                <a:latin typeface="+mn-lt"/>
+                <a:ea typeface="+mn-ea"/>
+                <a:cs typeface="+mn-cs"/>
+              </a:defRPr>
+            </a:lvl3pPr>
+            <a:lvl4pPr marL="1371600" algn="l" defTabSz="914400" rtl="0" eaLnBrk="1" latinLnBrk="0" hangingPunct="1">
+              <a:defRPr kumimoji="1" sz="1800" kern="1200">
+                <a:solidFill>
+                  <a:schemeClr val="tx1"/>
+                </a:solidFill>
+                <a:latin typeface="+mn-lt"/>
+                <a:ea typeface="+mn-ea"/>
+                <a:cs typeface="+mn-cs"/>
+              </a:defRPr>
+            </a:lvl4pPr>
+            <a:lvl5pPr marL="1828800" algn="l" defTabSz="914400" rtl="0" eaLnBrk="1" latinLnBrk="0" hangingPunct="1">
+              <a:defRPr kumimoji="1" sz="1800" kern="1200">
+                <a:solidFill>
+                  <a:schemeClr val="tx1"/>
+                </a:solidFill>
+                <a:latin typeface="+mn-lt"/>
+                <a:ea typeface="+mn-ea"/>
+                <a:cs typeface="+mn-cs"/>
+              </a:defRPr>
+            </a:lvl5pPr>
+            <a:lvl6pPr marL="2286000" algn="l" defTabSz="914400" rtl="0" eaLnBrk="1" latinLnBrk="0" hangingPunct="1">
+              <a:defRPr kumimoji="1" sz="1800" kern="1200">
+                <a:solidFill>
+                  <a:schemeClr val="tx1"/>
+                </a:solidFill>
+                <a:latin typeface="+mn-lt"/>
+                <a:ea typeface="+mn-ea"/>
+                <a:cs typeface="+mn-cs"/>
+              </a:defRPr>
+            </a:lvl6pPr>
+            <a:lvl7pPr marL="2743200" algn="l" defTabSz="914400" rtl="0" eaLnBrk="1" latinLnBrk="0" hangingPunct="1">
+              <a:defRPr kumimoji="1" sz="1800" kern="1200">
+                <a:solidFill>
+                  <a:schemeClr val="tx1"/>
+                </a:solidFill>
+                <a:latin typeface="+mn-lt"/>
+                <a:ea typeface="+mn-ea"/>
+                <a:cs typeface="+mn-cs"/>
+              </a:defRPr>
+            </a:lvl7pPr>
+            <a:lvl8pPr marL="3200400" algn="l" defTabSz="914400" rtl="0" eaLnBrk="1" latinLnBrk="0" hangingPunct="1">
+              <a:defRPr kumimoji="1" sz="1800" kern="1200">
+                <a:solidFill>
+                  <a:schemeClr val="tx1"/>
+                </a:solidFill>
+                <a:latin typeface="+mn-lt"/>
+                <a:ea typeface="+mn-ea"/>
+                <a:cs typeface="+mn-cs"/>
+              </a:defRPr>
+            </a:lvl8pPr>
+            <a:lvl9pPr marL="3657600" algn="l" defTabSz="914400" rtl="0" eaLnBrk="1" latinLnBrk="0" hangingPunct="1">
+              <a:defRPr kumimoji="1" sz="1800" kern="1200">
+                <a:solidFill>
+                  <a:schemeClr val="tx1"/>
+                </a:solidFill>
+                <a:latin typeface="+mn-lt"/>
+                <a:ea typeface="+mn-ea"/>
+                <a:cs typeface="+mn-cs"/>
+              </a:defRPr>
+            </a:lvl9pPr>
+          </a:lstStyle>
+          <a:p>
+            <a:r>
+              <a:rPr kumimoji="1" lang="en-US" altLang="ja-JP" sz="2400" b="1" dirty="0">
+                <a:solidFill>
+                  <a:schemeClr val="accent6">
+                    <a:lumMod val="60000"/>
+                    <a:lumOff val="40000"/>
+                  </a:schemeClr>
+                </a:solidFill>
+                <a:latin typeface="+mn-ea"/>
+              </a:rPr>
+              <a:t>50+300+100</a:t>
+            </a:r>
+          </a:p>
+          <a:p>
+            <a:r>
+              <a:rPr lang="en-US" altLang="ja-JP" sz="2400" b="1" dirty="0">
+                <a:solidFill>
+                  <a:schemeClr val="accent6">
+                    <a:lumMod val="60000"/>
+                    <a:lumOff val="40000"/>
+                  </a:schemeClr>
+                </a:solidFill>
+                <a:latin typeface="+mn-ea"/>
+              </a:rPr>
+              <a:t>(VVF2.0-2C)</a:t>
+            </a:r>
+            <a:endParaRPr kumimoji="1" lang="ja-JP" altLang="en-US" sz="2400" b="1" dirty="0">
+              <a:solidFill>
+                <a:schemeClr val="accent6">
+                  <a:lumMod val="60000"/>
+                  <a:lumOff val="40000"/>
+                </a:schemeClr>
+              </a:solidFill>
+              <a:latin typeface="+mn-ea"/>
+            </a:endParaRPr>
+          </a:p>
+        </p:txBody>
+      </p:sp>
+      <p:sp>
+        <p:nvSpPr>
+          <p:cNvPr id="79" name="テキスト ボックス 68">
+            <a:extLst>
+              <a:ext uri="{FF2B5EF4-FFF2-40B4-BE49-F238E27FC236}">
+                <a16:creationId xmlns:a16="http://schemas.microsoft.com/office/drawing/2014/main" id="{5C7781D0-D82A-4E0C-8127-3A63E43AB911}"/>
+              </a:ext>
+            </a:extLst>
+          </p:cNvPr>
+          <p:cNvSpPr txBox="1"/>
+          <p:nvPr/>
+        </p:nvSpPr>
+        <p:spPr>
+          <a:xfrm>
+            <a:off x="1254257" y="1650184"/>
+            <a:ext cx="2053767" cy="830997"/>
+          </a:xfrm>
+          <a:prstGeom prst="rect">
+            <a:avLst/>
+          </a:prstGeom>
+          <a:noFill/>
+        </p:spPr>
+        <p:txBody>
+          <a:bodyPr wrap="none" rtlCol="0">
+            <a:spAutoFit/>
+          </a:bodyPr>
+          <a:lstStyle>
+            <a:defPPr>
+              <a:defRPr lang="ja-JP"/>
+            </a:defPPr>
+            <a:lvl1pPr marL="0" algn="l" defTabSz="914400" rtl="0" eaLnBrk="1" latinLnBrk="0" hangingPunct="1">
+              <a:defRPr kumimoji="1" sz="1800" kern="1200">
+                <a:solidFill>
+                  <a:schemeClr val="tx1"/>
+                </a:solidFill>
+                <a:latin typeface="+mn-lt"/>
+                <a:ea typeface="+mn-ea"/>
+                <a:cs typeface="+mn-cs"/>
+              </a:defRPr>
+            </a:lvl1pPr>
+            <a:lvl2pPr marL="457200" algn="l" defTabSz="914400" rtl="0" eaLnBrk="1" latinLnBrk="0" hangingPunct="1">
+              <a:defRPr kumimoji="1" sz="1800" kern="1200">
+                <a:solidFill>
+                  <a:schemeClr val="tx1"/>
+                </a:solidFill>
+                <a:latin typeface="+mn-lt"/>
+                <a:ea typeface="+mn-ea"/>
+                <a:cs typeface="+mn-cs"/>
+              </a:defRPr>
+            </a:lvl2pPr>
+            <a:lvl3pPr marL="914400" algn="l" defTabSz="914400" rtl="0" eaLnBrk="1" latinLnBrk="0" hangingPunct="1">
+              <a:defRPr kumimoji="1" sz="1800" kern="1200">
+                <a:solidFill>
+                  <a:schemeClr val="tx1"/>
+                </a:solidFill>
+                <a:latin typeface="+mn-lt"/>
+                <a:ea typeface="+mn-ea"/>
+                <a:cs typeface="+mn-cs"/>
+              </a:defRPr>
+            </a:lvl3pPr>
+            <a:lvl4pPr marL="1371600" algn="l" defTabSz="914400" rtl="0" eaLnBrk="1" latinLnBrk="0" hangingPunct="1">
+              <a:defRPr kumimoji="1" sz="1800" kern="1200">
+                <a:solidFill>
+                  <a:schemeClr val="tx1"/>
+                </a:solidFill>
+                <a:latin typeface="+mn-lt"/>
+                <a:ea typeface="+mn-ea"/>
+                <a:cs typeface="+mn-cs"/>
+              </a:defRPr>
+            </a:lvl4pPr>
+            <a:lvl5pPr marL="1828800" algn="l" defTabSz="914400" rtl="0" eaLnBrk="1" latinLnBrk="0" hangingPunct="1">
+              <a:defRPr kumimoji="1" sz="1800" kern="1200">
+                <a:solidFill>
+                  <a:schemeClr val="tx1"/>
+                </a:solidFill>
+                <a:latin typeface="+mn-lt"/>
+                <a:ea typeface="+mn-ea"/>
+                <a:cs typeface="+mn-cs"/>
+              </a:defRPr>
+            </a:lvl5pPr>
+            <a:lvl6pPr marL="2286000" algn="l" defTabSz="914400" rtl="0" eaLnBrk="1" latinLnBrk="0" hangingPunct="1">
+              <a:defRPr kumimoji="1" sz="1800" kern="1200">
+                <a:solidFill>
+                  <a:schemeClr val="tx1"/>
+                </a:solidFill>
+                <a:latin typeface="+mn-lt"/>
+                <a:ea typeface="+mn-ea"/>
+                <a:cs typeface="+mn-cs"/>
+              </a:defRPr>
+            </a:lvl6pPr>
+            <a:lvl7pPr marL="2743200" algn="l" defTabSz="914400" rtl="0" eaLnBrk="1" latinLnBrk="0" hangingPunct="1">
+              <a:defRPr kumimoji="1" sz="1800" kern="1200">
+                <a:solidFill>
+                  <a:schemeClr val="tx1"/>
+                </a:solidFill>
+                <a:latin typeface="+mn-lt"/>
+                <a:ea typeface="+mn-ea"/>
+                <a:cs typeface="+mn-cs"/>
+              </a:defRPr>
+            </a:lvl7pPr>
+            <a:lvl8pPr marL="3200400" algn="l" defTabSz="914400" rtl="0" eaLnBrk="1" latinLnBrk="0" hangingPunct="1">
+              <a:defRPr kumimoji="1" sz="1800" kern="1200">
+                <a:solidFill>
+                  <a:schemeClr val="tx1"/>
+                </a:solidFill>
+                <a:latin typeface="+mn-lt"/>
+                <a:ea typeface="+mn-ea"/>
+                <a:cs typeface="+mn-cs"/>
+              </a:defRPr>
+            </a:lvl8pPr>
+            <a:lvl9pPr marL="3657600" algn="l" defTabSz="914400" rtl="0" eaLnBrk="1" latinLnBrk="0" hangingPunct="1">
+              <a:defRPr kumimoji="1" sz="1800" kern="1200">
+                <a:solidFill>
+                  <a:schemeClr val="tx1"/>
+                </a:solidFill>
+                <a:latin typeface="+mn-lt"/>
+                <a:ea typeface="+mn-ea"/>
+                <a:cs typeface="+mn-cs"/>
+              </a:defRPr>
+            </a:lvl9pPr>
+          </a:lstStyle>
+          <a:p>
+            <a:r>
+              <a:rPr kumimoji="1" lang="en-US" altLang="ja-JP" sz="2400" b="1" dirty="0">
+                <a:solidFill>
+                  <a:schemeClr val="accent6">
+                    <a:lumMod val="60000"/>
+                    <a:lumOff val="40000"/>
+                  </a:schemeClr>
+                </a:solidFill>
+                <a:latin typeface="+mn-ea"/>
+              </a:rPr>
+              <a:t>50+150+100</a:t>
+            </a:r>
+          </a:p>
+          <a:p>
+            <a:r>
+              <a:rPr kumimoji="1" lang="en-US" altLang="ja-JP" sz="2400" b="1" dirty="0">
+                <a:solidFill>
+                  <a:schemeClr val="accent6">
+                    <a:lumMod val="60000"/>
+                    <a:lumOff val="40000"/>
+                  </a:schemeClr>
+                </a:solidFill>
+                <a:latin typeface="+mn-ea"/>
+              </a:rPr>
+              <a:t>(VVF2.0-3C)</a:t>
+            </a:r>
+            <a:endParaRPr kumimoji="1" lang="ja-JP" altLang="en-US" sz="2400" b="1" dirty="0">
+              <a:solidFill>
+                <a:schemeClr val="accent6">
+                  <a:lumMod val="60000"/>
+                  <a:lumOff val="40000"/>
+                </a:schemeClr>
+              </a:solidFill>
+              <a:latin typeface="+mn-ea"/>
+            </a:endParaRPr>
+          </a:p>
+        </p:txBody>
+      </p:sp>
+      <p:sp>
+        <p:nvSpPr>
+          <p:cNvPr id="82" name="テキスト ボックス 68">
+            <a:extLst>
+              <a:ext uri="{FF2B5EF4-FFF2-40B4-BE49-F238E27FC236}">
+                <a16:creationId xmlns:a16="http://schemas.microsoft.com/office/drawing/2014/main" id="{0B2E9D67-EDCF-48C0-93CD-2FAE7F75D4B1}"/>
+              </a:ext>
+            </a:extLst>
+          </p:cNvPr>
+          <p:cNvSpPr txBox="1"/>
+          <p:nvPr/>
+        </p:nvSpPr>
+        <p:spPr>
+          <a:xfrm>
+            <a:off x="102148" y="3674043"/>
+            <a:ext cx="1877437" cy="461665"/>
+          </a:xfrm>
+          <a:prstGeom prst="rect">
+            <a:avLst/>
+          </a:prstGeom>
+          <a:noFill/>
+        </p:spPr>
+        <p:txBody>
+          <a:bodyPr wrap="none" rtlCol="0">
+            <a:spAutoFit/>
+          </a:bodyPr>
+          <a:lstStyle>
+            <a:defPPr>
+              <a:defRPr lang="ja-JP"/>
+            </a:defPPr>
+            <a:lvl1pPr marL="0" algn="l" defTabSz="914400" rtl="0" eaLnBrk="1" latinLnBrk="0" hangingPunct="1">
+              <a:defRPr kumimoji="1" sz="1800" kern="1200">
+                <a:solidFill>
+                  <a:schemeClr val="tx1"/>
+                </a:solidFill>
+                <a:latin typeface="+mn-lt"/>
+                <a:ea typeface="+mn-ea"/>
+                <a:cs typeface="+mn-cs"/>
+              </a:defRPr>
+            </a:lvl1pPr>
+            <a:lvl2pPr marL="457200" algn="l" defTabSz="914400" rtl="0" eaLnBrk="1" latinLnBrk="0" hangingPunct="1">
+              <a:defRPr kumimoji="1" sz="1800" kern="1200">
+                <a:solidFill>
+                  <a:schemeClr val="tx1"/>
+                </a:solidFill>
+                <a:latin typeface="+mn-lt"/>
+                <a:ea typeface="+mn-ea"/>
+                <a:cs typeface="+mn-cs"/>
+              </a:defRPr>
+            </a:lvl2pPr>
+            <a:lvl3pPr marL="914400" algn="l" defTabSz="914400" rtl="0" eaLnBrk="1" latinLnBrk="0" hangingPunct="1">
+              <a:defRPr kumimoji="1" sz="1800" kern="1200">
+                <a:solidFill>
+                  <a:schemeClr val="tx1"/>
+                </a:solidFill>
+                <a:latin typeface="+mn-lt"/>
+                <a:ea typeface="+mn-ea"/>
+                <a:cs typeface="+mn-cs"/>
+              </a:defRPr>
+            </a:lvl3pPr>
+            <a:lvl4pPr marL="1371600" algn="l" defTabSz="914400" rtl="0" eaLnBrk="1" latinLnBrk="0" hangingPunct="1">
+              <a:defRPr kumimoji="1" sz="1800" kern="1200">
+                <a:solidFill>
+                  <a:schemeClr val="tx1"/>
+                </a:solidFill>
+                <a:latin typeface="+mn-lt"/>
+                <a:ea typeface="+mn-ea"/>
+                <a:cs typeface="+mn-cs"/>
+              </a:defRPr>
+            </a:lvl4pPr>
+            <a:lvl5pPr marL="1828800" algn="l" defTabSz="914400" rtl="0" eaLnBrk="1" latinLnBrk="0" hangingPunct="1">
+              <a:defRPr kumimoji="1" sz="1800" kern="1200">
+                <a:solidFill>
+                  <a:schemeClr val="tx1"/>
+                </a:solidFill>
+                <a:latin typeface="+mn-lt"/>
+                <a:ea typeface="+mn-ea"/>
+                <a:cs typeface="+mn-cs"/>
+              </a:defRPr>
+            </a:lvl5pPr>
+            <a:lvl6pPr marL="2286000" algn="l" defTabSz="914400" rtl="0" eaLnBrk="1" latinLnBrk="0" hangingPunct="1">
+              <a:defRPr kumimoji="1" sz="1800" kern="1200">
+                <a:solidFill>
+                  <a:schemeClr val="tx1"/>
+                </a:solidFill>
+                <a:latin typeface="+mn-lt"/>
+                <a:ea typeface="+mn-ea"/>
+                <a:cs typeface="+mn-cs"/>
+              </a:defRPr>
+            </a:lvl6pPr>
+            <a:lvl7pPr marL="2743200" algn="l" defTabSz="914400" rtl="0" eaLnBrk="1" latinLnBrk="0" hangingPunct="1">
+              <a:defRPr kumimoji="1" sz="1800" kern="1200">
+                <a:solidFill>
+                  <a:schemeClr val="tx1"/>
+                </a:solidFill>
+                <a:latin typeface="+mn-lt"/>
+                <a:ea typeface="+mn-ea"/>
+                <a:cs typeface="+mn-cs"/>
+              </a:defRPr>
+            </a:lvl7pPr>
+            <a:lvl8pPr marL="3200400" algn="l" defTabSz="914400" rtl="0" eaLnBrk="1" latinLnBrk="0" hangingPunct="1">
+              <a:defRPr kumimoji="1" sz="1800" kern="1200">
+                <a:solidFill>
+                  <a:schemeClr val="tx1"/>
+                </a:solidFill>
+                <a:latin typeface="+mn-lt"/>
+                <a:ea typeface="+mn-ea"/>
+                <a:cs typeface="+mn-cs"/>
+              </a:defRPr>
+            </a:lvl8pPr>
+            <a:lvl9pPr marL="3657600" algn="l" defTabSz="914400" rtl="0" eaLnBrk="1" latinLnBrk="0" hangingPunct="1">
+              <a:defRPr kumimoji="1" sz="1800" kern="1200">
+                <a:solidFill>
+                  <a:schemeClr val="tx1"/>
+                </a:solidFill>
+                <a:latin typeface="+mn-lt"/>
+                <a:ea typeface="+mn-ea"/>
+                <a:cs typeface="+mn-cs"/>
+              </a:defRPr>
+            </a:lvl9pPr>
+          </a:lstStyle>
+          <a:p>
+            <a:r>
+              <a:rPr kumimoji="1" lang="en-US" altLang="ja-JP" sz="2400" b="1" dirty="0">
+                <a:solidFill>
+                  <a:schemeClr val="accent6">
+                    <a:lumMod val="60000"/>
+                    <a:lumOff val="40000"/>
+                  </a:schemeClr>
+                </a:solidFill>
+                <a:latin typeface="+mn-ea"/>
+              </a:rPr>
+              <a:t>50+200+50</a:t>
+            </a:r>
+            <a:endParaRPr kumimoji="1" lang="ja-JP" altLang="en-US" sz="2400" b="1" dirty="0">
+              <a:solidFill>
+                <a:schemeClr val="accent6">
+                  <a:lumMod val="60000"/>
+                  <a:lumOff val="40000"/>
+                </a:schemeClr>
+              </a:solidFill>
+              <a:latin typeface="+mn-ea"/>
+            </a:endParaRPr>
+          </a:p>
+        </p:txBody>
+      </p:sp>
+      <p:cxnSp>
+        <p:nvCxnSpPr>
+          <p:cNvPr id="6" name="直線コネクタ 5">
+            <a:extLst>
+              <a:ext uri="{FF2B5EF4-FFF2-40B4-BE49-F238E27FC236}">
+                <a16:creationId xmlns:a16="http://schemas.microsoft.com/office/drawing/2014/main" id="{D75E1F4C-CB05-4AC9-A7F1-F272E8F9FC31}"/>
+              </a:ext>
+            </a:extLst>
+          </p:cNvPr>
+          <p:cNvCxnSpPr/>
+          <p:nvPr/>
+        </p:nvCxnSpPr>
+        <p:spPr>
+          <a:xfrm>
+            <a:off x="2475571" y="5274173"/>
+            <a:ext cx="1618928" cy="0"/>
+          </a:xfrm>
+          <a:prstGeom prst="line">
+            <a:avLst/>
+          </a:prstGeom>
+          <a:ln w="38100">
+            <a:solidFill>
+              <a:schemeClr val="bg2">
+                <a:lumMod val="25000"/>
+              </a:schemeClr>
+            </a:solidFill>
+            <a:prstDash val="sysDash"/>
+          </a:ln>
+        </p:spPr>
+        <p:style>
+          <a:lnRef idx="1">
+            <a:schemeClr val="accent1"/>
+          </a:lnRef>
+          <a:fillRef idx="0">
+            <a:schemeClr val="accent1"/>
+          </a:fillRef>
+          <a:effectRef idx="0">
+            <a:schemeClr val="accent1"/>
+          </a:effectRef>
+          <a:fontRef idx="minor">
+            <a:schemeClr val="tx1"/>
+          </a:fontRef>
+        </p:style>
+      </p:cxnSp>
+      <p:sp>
+        <p:nvSpPr>
+          <p:cNvPr id="86" name="テキスト ボックス 68">
+            <a:extLst>
+              <a:ext uri="{FF2B5EF4-FFF2-40B4-BE49-F238E27FC236}">
+                <a16:creationId xmlns:a16="http://schemas.microsoft.com/office/drawing/2014/main" id="{D0312579-91EC-4904-B0E3-DDB36F96313C}"/>
+              </a:ext>
+            </a:extLst>
+          </p:cNvPr>
+          <p:cNvSpPr txBox="1"/>
+          <p:nvPr/>
+        </p:nvSpPr>
+        <p:spPr>
+          <a:xfrm>
+            <a:off x="3101679" y="4100637"/>
+            <a:ext cx="2053767" cy="830997"/>
+          </a:xfrm>
+          <a:prstGeom prst="rect">
+            <a:avLst/>
+          </a:prstGeom>
+          <a:noFill/>
+        </p:spPr>
+        <p:txBody>
+          <a:bodyPr wrap="none" rtlCol="0">
+            <a:spAutoFit/>
+          </a:bodyPr>
+          <a:lstStyle>
+            <a:defPPr>
+              <a:defRPr lang="ja-JP"/>
+            </a:defPPr>
+            <a:lvl1pPr marL="0" algn="l" defTabSz="914400" rtl="0" eaLnBrk="1" latinLnBrk="0" hangingPunct="1">
+              <a:defRPr kumimoji="1" sz="1800" kern="1200">
+                <a:solidFill>
+                  <a:schemeClr val="tx1"/>
+                </a:solidFill>
+                <a:latin typeface="+mn-lt"/>
+                <a:ea typeface="+mn-ea"/>
+                <a:cs typeface="+mn-cs"/>
+              </a:defRPr>
+            </a:lvl1pPr>
+            <a:lvl2pPr marL="457200" algn="l" defTabSz="914400" rtl="0" eaLnBrk="1" latinLnBrk="0" hangingPunct="1">
+              <a:defRPr kumimoji="1" sz="1800" kern="1200">
+                <a:solidFill>
+                  <a:schemeClr val="tx1"/>
+                </a:solidFill>
+                <a:latin typeface="+mn-lt"/>
+                <a:ea typeface="+mn-ea"/>
+                <a:cs typeface="+mn-cs"/>
+              </a:defRPr>
+            </a:lvl2pPr>
+            <a:lvl3pPr marL="914400" algn="l" defTabSz="914400" rtl="0" eaLnBrk="1" latinLnBrk="0" hangingPunct="1">
+              <a:defRPr kumimoji="1" sz="1800" kern="1200">
+                <a:solidFill>
+                  <a:schemeClr val="tx1"/>
+                </a:solidFill>
+                <a:latin typeface="+mn-lt"/>
+                <a:ea typeface="+mn-ea"/>
+                <a:cs typeface="+mn-cs"/>
+              </a:defRPr>
+            </a:lvl3pPr>
+            <a:lvl4pPr marL="1371600" algn="l" defTabSz="914400" rtl="0" eaLnBrk="1" latinLnBrk="0" hangingPunct="1">
+              <a:defRPr kumimoji="1" sz="1800" kern="1200">
+                <a:solidFill>
+                  <a:schemeClr val="tx1"/>
+                </a:solidFill>
+                <a:latin typeface="+mn-lt"/>
+                <a:ea typeface="+mn-ea"/>
+                <a:cs typeface="+mn-cs"/>
+              </a:defRPr>
+            </a:lvl4pPr>
+            <a:lvl5pPr marL="1828800" algn="l" defTabSz="914400" rtl="0" eaLnBrk="1" latinLnBrk="0" hangingPunct="1">
+              <a:defRPr kumimoji="1" sz="1800" kern="1200">
+                <a:solidFill>
+                  <a:schemeClr val="tx1"/>
+                </a:solidFill>
+                <a:latin typeface="+mn-lt"/>
+                <a:ea typeface="+mn-ea"/>
+                <a:cs typeface="+mn-cs"/>
+              </a:defRPr>
+            </a:lvl5pPr>
+            <a:lvl6pPr marL="2286000" algn="l" defTabSz="914400" rtl="0" eaLnBrk="1" latinLnBrk="0" hangingPunct="1">
+              <a:defRPr kumimoji="1" sz="1800" kern="1200">
+                <a:solidFill>
+                  <a:schemeClr val="tx1"/>
+                </a:solidFill>
+                <a:latin typeface="+mn-lt"/>
+                <a:ea typeface="+mn-ea"/>
+                <a:cs typeface="+mn-cs"/>
+              </a:defRPr>
+            </a:lvl6pPr>
+            <a:lvl7pPr marL="2743200" algn="l" defTabSz="914400" rtl="0" eaLnBrk="1" latinLnBrk="0" hangingPunct="1">
+              <a:defRPr kumimoji="1" sz="1800" kern="1200">
+                <a:solidFill>
+                  <a:schemeClr val="tx1"/>
+                </a:solidFill>
+                <a:latin typeface="+mn-lt"/>
+                <a:ea typeface="+mn-ea"/>
+                <a:cs typeface="+mn-cs"/>
+              </a:defRPr>
+            </a:lvl7pPr>
+            <a:lvl8pPr marL="3200400" algn="l" defTabSz="914400" rtl="0" eaLnBrk="1" latinLnBrk="0" hangingPunct="1">
+              <a:defRPr kumimoji="1" sz="1800" kern="1200">
+                <a:solidFill>
+                  <a:schemeClr val="tx1"/>
+                </a:solidFill>
+                <a:latin typeface="+mn-lt"/>
+                <a:ea typeface="+mn-ea"/>
+                <a:cs typeface="+mn-cs"/>
+              </a:defRPr>
+            </a:lvl8pPr>
+            <a:lvl9pPr marL="3657600" algn="l" defTabSz="914400" rtl="0" eaLnBrk="1" latinLnBrk="0" hangingPunct="1">
+              <a:defRPr kumimoji="1" sz="1800" kern="1200">
+                <a:solidFill>
+                  <a:schemeClr val="tx1"/>
+                </a:solidFill>
+                <a:latin typeface="+mn-lt"/>
+                <a:ea typeface="+mn-ea"/>
+                <a:cs typeface="+mn-cs"/>
+              </a:defRPr>
+            </a:lvl9pPr>
+          </a:lstStyle>
+          <a:p>
+            <a:r>
+              <a:rPr lang="en-US" altLang="ja-JP" sz="2400" b="1" dirty="0">
+                <a:solidFill>
+                  <a:schemeClr val="accent6">
+                    <a:lumMod val="60000"/>
+                    <a:lumOff val="40000"/>
+                  </a:schemeClr>
+                </a:solidFill>
+                <a:latin typeface="+mn-ea"/>
+              </a:rPr>
+              <a:t>10</a:t>
+            </a:r>
+            <a:r>
+              <a:rPr kumimoji="1" lang="en-US" altLang="ja-JP" sz="2400" b="1" dirty="0">
+                <a:solidFill>
+                  <a:schemeClr val="accent6">
+                    <a:lumMod val="60000"/>
+                    <a:lumOff val="40000"/>
+                  </a:schemeClr>
+                </a:solidFill>
+                <a:latin typeface="+mn-ea"/>
+              </a:rPr>
+              <a:t>0+150</a:t>
+            </a:r>
+          </a:p>
+          <a:p>
+            <a:r>
+              <a:rPr kumimoji="1" lang="en-US" altLang="ja-JP" sz="2400" b="1" dirty="0">
+                <a:solidFill>
+                  <a:schemeClr val="accent6">
+                    <a:lumMod val="60000"/>
+                    <a:lumOff val="40000"/>
+                  </a:schemeClr>
+                </a:solidFill>
+                <a:latin typeface="+mn-ea"/>
+              </a:rPr>
+              <a:t>(VVF2.0-3C)</a:t>
+            </a:r>
+            <a:endParaRPr kumimoji="1" lang="ja-JP" altLang="en-US" sz="2400" b="1" dirty="0">
+              <a:solidFill>
+                <a:schemeClr val="accent6">
+                  <a:lumMod val="60000"/>
+                  <a:lumOff val="40000"/>
+                </a:schemeClr>
+              </a:solidFill>
+              <a:latin typeface="+mn-ea"/>
+            </a:endParaRPr>
+          </a:p>
+        </p:txBody>
+      </p:sp>
+      <p:sp>
+        <p:nvSpPr>
+          <p:cNvPr id="87" name="テキスト ボックス 68">
+            <a:extLst>
+              <a:ext uri="{FF2B5EF4-FFF2-40B4-BE49-F238E27FC236}">
+                <a16:creationId xmlns:a16="http://schemas.microsoft.com/office/drawing/2014/main" id="{83EEF65F-E480-46E3-9B0E-823FA8BD6601}"/>
+              </a:ext>
+            </a:extLst>
+          </p:cNvPr>
+          <p:cNvSpPr txBox="1"/>
+          <p:nvPr/>
+        </p:nvSpPr>
+        <p:spPr>
+          <a:xfrm>
+            <a:off x="4630826" y="2691865"/>
+            <a:ext cx="2053767" cy="461665"/>
+          </a:xfrm>
+          <a:prstGeom prst="rect">
+            <a:avLst/>
+          </a:prstGeom>
+          <a:noFill/>
+        </p:spPr>
+        <p:txBody>
+          <a:bodyPr wrap="none" rtlCol="0">
+            <a:spAutoFit/>
+          </a:bodyPr>
+          <a:lstStyle>
+            <a:defPPr>
+              <a:defRPr lang="ja-JP"/>
+            </a:defPPr>
+            <a:lvl1pPr marL="0" algn="l" defTabSz="914400" rtl="0" eaLnBrk="1" latinLnBrk="0" hangingPunct="1">
+              <a:defRPr kumimoji="1" sz="1800" kern="1200">
+                <a:solidFill>
+                  <a:schemeClr val="tx1"/>
+                </a:solidFill>
+                <a:latin typeface="+mn-lt"/>
+                <a:ea typeface="+mn-ea"/>
+                <a:cs typeface="+mn-cs"/>
+              </a:defRPr>
+            </a:lvl1pPr>
+            <a:lvl2pPr marL="457200" algn="l" defTabSz="914400" rtl="0" eaLnBrk="1" latinLnBrk="0" hangingPunct="1">
+              <a:defRPr kumimoji="1" sz="1800" kern="1200">
+                <a:solidFill>
+                  <a:schemeClr val="tx1"/>
+                </a:solidFill>
+                <a:latin typeface="+mn-lt"/>
+                <a:ea typeface="+mn-ea"/>
+                <a:cs typeface="+mn-cs"/>
+              </a:defRPr>
+            </a:lvl2pPr>
+            <a:lvl3pPr marL="914400" algn="l" defTabSz="914400" rtl="0" eaLnBrk="1" latinLnBrk="0" hangingPunct="1">
+              <a:defRPr kumimoji="1" sz="1800" kern="1200">
+                <a:solidFill>
+                  <a:schemeClr val="tx1"/>
+                </a:solidFill>
+                <a:latin typeface="+mn-lt"/>
+                <a:ea typeface="+mn-ea"/>
+                <a:cs typeface="+mn-cs"/>
+              </a:defRPr>
+            </a:lvl3pPr>
+            <a:lvl4pPr marL="1371600" algn="l" defTabSz="914400" rtl="0" eaLnBrk="1" latinLnBrk="0" hangingPunct="1">
+              <a:defRPr kumimoji="1" sz="1800" kern="1200">
+                <a:solidFill>
+                  <a:schemeClr val="tx1"/>
+                </a:solidFill>
+                <a:latin typeface="+mn-lt"/>
+                <a:ea typeface="+mn-ea"/>
+                <a:cs typeface="+mn-cs"/>
+              </a:defRPr>
+            </a:lvl4pPr>
+            <a:lvl5pPr marL="1828800" algn="l" defTabSz="914400" rtl="0" eaLnBrk="1" latinLnBrk="0" hangingPunct="1">
+              <a:defRPr kumimoji="1" sz="1800" kern="1200">
+                <a:solidFill>
+                  <a:schemeClr val="tx1"/>
+                </a:solidFill>
+                <a:latin typeface="+mn-lt"/>
+                <a:ea typeface="+mn-ea"/>
+                <a:cs typeface="+mn-cs"/>
+              </a:defRPr>
+            </a:lvl5pPr>
+            <a:lvl6pPr marL="2286000" algn="l" defTabSz="914400" rtl="0" eaLnBrk="1" latinLnBrk="0" hangingPunct="1">
+              <a:defRPr kumimoji="1" sz="1800" kern="1200">
+                <a:solidFill>
+                  <a:schemeClr val="tx1"/>
+                </a:solidFill>
+                <a:latin typeface="+mn-lt"/>
+                <a:ea typeface="+mn-ea"/>
+                <a:cs typeface="+mn-cs"/>
+              </a:defRPr>
+            </a:lvl6pPr>
+            <a:lvl7pPr marL="2743200" algn="l" defTabSz="914400" rtl="0" eaLnBrk="1" latinLnBrk="0" hangingPunct="1">
+              <a:defRPr kumimoji="1" sz="1800" kern="1200">
+                <a:solidFill>
+                  <a:schemeClr val="tx1"/>
+                </a:solidFill>
+                <a:latin typeface="+mn-lt"/>
+                <a:ea typeface="+mn-ea"/>
+                <a:cs typeface="+mn-cs"/>
+              </a:defRPr>
+            </a:lvl7pPr>
+            <a:lvl8pPr marL="3200400" algn="l" defTabSz="914400" rtl="0" eaLnBrk="1" latinLnBrk="0" hangingPunct="1">
+              <a:defRPr kumimoji="1" sz="1800" kern="1200">
+                <a:solidFill>
+                  <a:schemeClr val="tx1"/>
+                </a:solidFill>
+                <a:latin typeface="+mn-lt"/>
+                <a:ea typeface="+mn-ea"/>
+                <a:cs typeface="+mn-cs"/>
+              </a:defRPr>
+            </a:lvl8pPr>
+            <a:lvl9pPr marL="3657600" algn="l" defTabSz="914400" rtl="0" eaLnBrk="1" latinLnBrk="0" hangingPunct="1">
+              <a:defRPr kumimoji="1" sz="1800" kern="1200">
+                <a:solidFill>
+                  <a:schemeClr val="tx1"/>
+                </a:solidFill>
+                <a:latin typeface="+mn-lt"/>
+                <a:ea typeface="+mn-ea"/>
+                <a:cs typeface="+mn-cs"/>
+              </a:defRPr>
+            </a:lvl9pPr>
+          </a:lstStyle>
+          <a:p>
+            <a:r>
+              <a:rPr lang="en-US" altLang="ja-JP" sz="2400" b="1" dirty="0">
+                <a:solidFill>
+                  <a:schemeClr val="accent6">
+                    <a:lumMod val="60000"/>
+                    <a:lumOff val="40000"/>
+                  </a:schemeClr>
+                </a:solidFill>
+                <a:latin typeface="+mn-ea"/>
+              </a:rPr>
+              <a:t>10</a:t>
+            </a:r>
+            <a:r>
+              <a:rPr kumimoji="1" lang="en-US" altLang="ja-JP" sz="2400" b="1" dirty="0">
+                <a:solidFill>
+                  <a:schemeClr val="accent6">
+                    <a:lumMod val="60000"/>
+                    <a:lumOff val="40000"/>
+                  </a:schemeClr>
+                </a:solidFill>
+                <a:latin typeface="+mn-ea"/>
+              </a:rPr>
+              <a:t>0+200+20</a:t>
+            </a:r>
+            <a:endParaRPr kumimoji="1" lang="ja-JP" altLang="en-US" sz="2400" b="1" dirty="0">
+              <a:solidFill>
+                <a:schemeClr val="accent6">
+                  <a:lumMod val="60000"/>
+                  <a:lumOff val="40000"/>
+                </a:schemeClr>
+              </a:solidFill>
+              <a:latin typeface="+mn-ea"/>
+            </a:endParaRPr>
+          </a:p>
+        </p:txBody>
+      </p:sp>
+      <p:sp>
+        <p:nvSpPr>
+          <p:cNvPr id="88" name="テキスト ボックス 68">
+            <a:extLst>
+              <a:ext uri="{FF2B5EF4-FFF2-40B4-BE49-F238E27FC236}">
+                <a16:creationId xmlns:a16="http://schemas.microsoft.com/office/drawing/2014/main" id="{95CD13E8-DCA1-4146-91D2-85B20FAC6178}"/>
+              </a:ext>
+            </a:extLst>
+          </p:cNvPr>
+          <p:cNvSpPr txBox="1"/>
+          <p:nvPr/>
+        </p:nvSpPr>
+        <p:spPr>
+          <a:xfrm>
+            <a:off x="7867520" y="3228621"/>
+            <a:ext cx="2230098" cy="461665"/>
+          </a:xfrm>
+          <a:prstGeom prst="rect">
+            <a:avLst/>
+          </a:prstGeom>
+          <a:noFill/>
+        </p:spPr>
+        <p:txBody>
+          <a:bodyPr wrap="none" rtlCol="0">
+            <a:spAutoFit/>
+          </a:bodyPr>
+          <a:lstStyle>
+            <a:defPPr>
+              <a:defRPr lang="ja-JP"/>
+            </a:defPPr>
+            <a:lvl1pPr marL="0" algn="l" defTabSz="914400" rtl="0" eaLnBrk="1" latinLnBrk="0" hangingPunct="1">
+              <a:defRPr kumimoji="1" sz="1800" kern="1200">
+                <a:solidFill>
+                  <a:schemeClr val="tx1"/>
+                </a:solidFill>
+                <a:latin typeface="+mn-lt"/>
+                <a:ea typeface="+mn-ea"/>
+                <a:cs typeface="+mn-cs"/>
+              </a:defRPr>
+            </a:lvl1pPr>
+            <a:lvl2pPr marL="457200" algn="l" defTabSz="914400" rtl="0" eaLnBrk="1" latinLnBrk="0" hangingPunct="1">
+              <a:defRPr kumimoji="1" sz="1800" kern="1200">
+                <a:solidFill>
+                  <a:schemeClr val="tx1"/>
+                </a:solidFill>
+                <a:latin typeface="+mn-lt"/>
+                <a:ea typeface="+mn-ea"/>
+                <a:cs typeface="+mn-cs"/>
+              </a:defRPr>
+            </a:lvl2pPr>
+            <a:lvl3pPr marL="914400" algn="l" defTabSz="914400" rtl="0" eaLnBrk="1" latinLnBrk="0" hangingPunct="1">
+              <a:defRPr kumimoji="1" sz="1800" kern="1200">
+                <a:solidFill>
+                  <a:schemeClr val="tx1"/>
+                </a:solidFill>
+                <a:latin typeface="+mn-lt"/>
+                <a:ea typeface="+mn-ea"/>
+                <a:cs typeface="+mn-cs"/>
+              </a:defRPr>
+            </a:lvl3pPr>
+            <a:lvl4pPr marL="1371600" algn="l" defTabSz="914400" rtl="0" eaLnBrk="1" latinLnBrk="0" hangingPunct="1">
+              <a:defRPr kumimoji="1" sz="1800" kern="1200">
+                <a:solidFill>
+                  <a:schemeClr val="tx1"/>
+                </a:solidFill>
+                <a:latin typeface="+mn-lt"/>
+                <a:ea typeface="+mn-ea"/>
+                <a:cs typeface="+mn-cs"/>
+              </a:defRPr>
+            </a:lvl4pPr>
+            <a:lvl5pPr marL="1828800" algn="l" defTabSz="914400" rtl="0" eaLnBrk="1" latinLnBrk="0" hangingPunct="1">
+              <a:defRPr kumimoji="1" sz="1800" kern="1200">
+                <a:solidFill>
+                  <a:schemeClr val="tx1"/>
+                </a:solidFill>
+                <a:latin typeface="+mn-lt"/>
+                <a:ea typeface="+mn-ea"/>
+                <a:cs typeface="+mn-cs"/>
+              </a:defRPr>
+            </a:lvl5pPr>
+            <a:lvl6pPr marL="2286000" algn="l" defTabSz="914400" rtl="0" eaLnBrk="1" latinLnBrk="0" hangingPunct="1">
+              <a:defRPr kumimoji="1" sz="1800" kern="1200">
+                <a:solidFill>
+                  <a:schemeClr val="tx1"/>
+                </a:solidFill>
+                <a:latin typeface="+mn-lt"/>
+                <a:ea typeface="+mn-ea"/>
+                <a:cs typeface="+mn-cs"/>
+              </a:defRPr>
+            </a:lvl6pPr>
+            <a:lvl7pPr marL="2743200" algn="l" defTabSz="914400" rtl="0" eaLnBrk="1" latinLnBrk="0" hangingPunct="1">
+              <a:defRPr kumimoji="1" sz="1800" kern="1200">
+                <a:solidFill>
+                  <a:schemeClr val="tx1"/>
+                </a:solidFill>
+                <a:latin typeface="+mn-lt"/>
+                <a:ea typeface="+mn-ea"/>
+                <a:cs typeface="+mn-cs"/>
+              </a:defRPr>
+            </a:lvl7pPr>
+            <a:lvl8pPr marL="3200400" algn="l" defTabSz="914400" rtl="0" eaLnBrk="1" latinLnBrk="0" hangingPunct="1">
+              <a:defRPr kumimoji="1" sz="1800" kern="1200">
+                <a:solidFill>
+                  <a:schemeClr val="tx1"/>
+                </a:solidFill>
+                <a:latin typeface="+mn-lt"/>
+                <a:ea typeface="+mn-ea"/>
+                <a:cs typeface="+mn-cs"/>
+              </a:defRPr>
+            </a:lvl8pPr>
+            <a:lvl9pPr marL="3657600" algn="l" defTabSz="914400" rtl="0" eaLnBrk="1" latinLnBrk="0" hangingPunct="1">
+              <a:defRPr kumimoji="1" sz="1800" kern="1200">
+                <a:solidFill>
+                  <a:schemeClr val="tx1"/>
+                </a:solidFill>
+                <a:latin typeface="+mn-lt"/>
+                <a:ea typeface="+mn-ea"/>
+                <a:cs typeface="+mn-cs"/>
+              </a:defRPr>
+            </a:lvl9pPr>
+          </a:lstStyle>
+          <a:p>
+            <a:r>
+              <a:rPr lang="en-US" altLang="ja-JP" sz="2400" b="1" dirty="0">
+                <a:solidFill>
+                  <a:schemeClr val="accent6">
+                    <a:lumMod val="60000"/>
+                    <a:lumOff val="40000"/>
+                  </a:schemeClr>
+                </a:solidFill>
+                <a:latin typeface="+mn-ea"/>
+              </a:rPr>
+              <a:t>10</a:t>
+            </a:r>
+            <a:r>
+              <a:rPr kumimoji="1" lang="en-US" altLang="ja-JP" sz="2400" b="1" dirty="0">
+                <a:solidFill>
+                  <a:schemeClr val="accent6">
+                    <a:lumMod val="60000"/>
+                    <a:lumOff val="40000"/>
+                  </a:schemeClr>
+                </a:solidFill>
+                <a:latin typeface="+mn-ea"/>
+              </a:rPr>
+              <a:t>0+150+100</a:t>
+            </a:r>
+            <a:endParaRPr kumimoji="1" lang="ja-JP" altLang="en-US" sz="2400" b="1" dirty="0">
+              <a:solidFill>
+                <a:schemeClr val="accent6">
+                  <a:lumMod val="60000"/>
+                  <a:lumOff val="40000"/>
+                </a:schemeClr>
+              </a:solidFill>
+              <a:latin typeface="+mn-ea"/>
+            </a:endParaRPr>
+          </a:p>
+        </p:txBody>
+      </p:sp>
+    </p:spTree>
+    <p:extLst>
+      <p:ext uri="{BB962C8B-B14F-4D97-AF65-F5344CB8AC3E}">
+        <p14:creationId xmlns:p14="http://schemas.microsoft.com/office/powerpoint/2010/main" val="1639646967"/>
+      </p:ext>
+    </p:extLst>
+  </p:cSld>
+  <p:clrMapOvr>
+    <a:masterClrMapping/>
+  </p:clrMapOvr>
+</p:sld>
+</file>
+
 <file path=ppt/theme/theme1.xml><?xml version="1.0" encoding="utf-8"?>
 <a:theme xmlns:a="http://schemas.openxmlformats.org/drawingml/2006/main" name="Office テーマ">
   <a:themeElements>

--- a/algorithm/electricity/03_denki-koujishi/01_kakomon/R1_1/02_jitsugi/q04/a04.pptx
+++ b/algorithm/electricity/03_denki-koujishi/01_kakomon/R1_1/02_jitsugi/q04/a04.pptx
@@ -266,7 +266,7 @@
           <a:p>
             <a:fld id="{EA6D781E-2D27-4EF7-AFED-D0940E0D7738}" type="datetimeFigureOut">
               <a:rPr kumimoji="1" lang="ja-JP" altLang="en-US" smtClean="0"/>
-              <a:t>2020/11/23</a:t>
+              <a:t>2020/11/29</a:t>
             </a:fld>
             <a:endParaRPr kumimoji="1" lang="ja-JP" altLang="en-US"/>
           </a:p>
@@ -496,7 +496,7 @@
           <a:p>
             <a:fld id="{EA6D781E-2D27-4EF7-AFED-D0940E0D7738}" type="datetimeFigureOut">
               <a:rPr kumimoji="1" lang="ja-JP" altLang="en-US" smtClean="0"/>
-              <a:t>2020/11/23</a:t>
+              <a:t>2020/11/29</a:t>
             </a:fld>
             <a:endParaRPr kumimoji="1" lang="ja-JP" altLang="en-US"/>
           </a:p>
@@ -736,7 +736,7 @@
           <a:p>
             <a:fld id="{EA6D781E-2D27-4EF7-AFED-D0940E0D7738}" type="datetimeFigureOut">
               <a:rPr kumimoji="1" lang="ja-JP" altLang="en-US" smtClean="0"/>
-              <a:t>2020/11/23</a:t>
+              <a:t>2020/11/29</a:t>
             </a:fld>
             <a:endParaRPr kumimoji="1" lang="ja-JP" altLang="en-US"/>
           </a:p>
@@ -966,7 +966,7 @@
           <a:p>
             <a:fld id="{EA6D781E-2D27-4EF7-AFED-D0940E0D7738}" type="datetimeFigureOut">
               <a:rPr kumimoji="1" lang="ja-JP" altLang="en-US" smtClean="0"/>
-              <a:t>2020/11/23</a:t>
+              <a:t>2020/11/29</a:t>
             </a:fld>
             <a:endParaRPr kumimoji="1" lang="ja-JP" altLang="en-US"/>
           </a:p>
@@ -1241,7 +1241,7 @@
           <a:p>
             <a:fld id="{EA6D781E-2D27-4EF7-AFED-D0940E0D7738}" type="datetimeFigureOut">
               <a:rPr kumimoji="1" lang="ja-JP" altLang="en-US" smtClean="0"/>
-              <a:t>2020/11/23</a:t>
+              <a:t>2020/11/29</a:t>
             </a:fld>
             <a:endParaRPr kumimoji="1" lang="ja-JP" altLang="en-US"/>
           </a:p>
@@ -1570,7 +1570,7 @@
           <a:p>
             <a:fld id="{EA6D781E-2D27-4EF7-AFED-D0940E0D7738}" type="datetimeFigureOut">
               <a:rPr kumimoji="1" lang="ja-JP" altLang="en-US" smtClean="0"/>
-              <a:t>2020/11/23</a:t>
+              <a:t>2020/11/29</a:t>
             </a:fld>
             <a:endParaRPr kumimoji="1" lang="ja-JP" altLang="en-US"/>
           </a:p>
@@ -2046,7 +2046,7 @@
           <a:p>
             <a:fld id="{EA6D781E-2D27-4EF7-AFED-D0940E0D7738}" type="datetimeFigureOut">
               <a:rPr kumimoji="1" lang="ja-JP" altLang="en-US" smtClean="0"/>
-              <a:t>2020/11/23</a:t>
+              <a:t>2020/11/29</a:t>
             </a:fld>
             <a:endParaRPr kumimoji="1" lang="ja-JP" altLang="en-US"/>
           </a:p>
@@ -2187,7 +2187,7 @@
           <a:p>
             <a:fld id="{EA6D781E-2D27-4EF7-AFED-D0940E0D7738}" type="datetimeFigureOut">
               <a:rPr kumimoji="1" lang="ja-JP" altLang="en-US" smtClean="0"/>
-              <a:t>2020/11/23</a:t>
+              <a:t>2020/11/29</a:t>
             </a:fld>
             <a:endParaRPr kumimoji="1" lang="ja-JP" altLang="en-US"/>
           </a:p>
@@ -2300,7 +2300,7 @@
           <a:p>
             <a:fld id="{EA6D781E-2D27-4EF7-AFED-D0940E0D7738}" type="datetimeFigureOut">
               <a:rPr kumimoji="1" lang="ja-JP" altLang="en-US" smtClean="0"/>
-              <a:t>2020/11/23</a:t>
+              <a:t>2020/11/29</a:t>
             </a:fld>
             <a:endParaRPr kumimoji="1" lang="ja-JP" altLang="en-US"/>
           </a:p>
@@ -2643,7 +2643,7 @@
           <a:p>
             <a:fld id="{EA6D781E-2D27-4EF7-AFED-D0940E0D7738}" type="datetimeFigureOut">
               <a:rPr kumimoji="1" lang="ja-JP" altLang="en-US" smtClean="0"/>
-              <a:t>2020/11/23</a:t>
+              <a:t>2020/11/29</a:t>
             </a:fld>
             <a:endParaRPr kumimoji="1" lang="ja-JP" altLang="en-US"/>
           </a:p>
@@ -2931,7 +2931,7 @@
           <a:p>
             <a:fld id="{EA6D781E-2D27-4EF7-AFED-D0940E0D7738}" type="datetimeFigureOut">
               <a:rPr kumimoji="1" lang="ja-JP" altLang="en-US" smtClean="0"/>
-              <a:t>2020/11/23</a:t>
+              <a:t>2020/11/29</a:t>
             </a:fld>
             <a:endParaRPr kumimoji="1" lang="ja-JP" altLang="en-US"/>
           </a:p>
@@ -3204,7 +3204,7 @@
           <a:p>
             <a:fld id="{EA6D781E-2D27-4EF7-AFED-D0940E0D7738}" type="datetimeFigureOut">
               <a:rPr kumimoji="1" lang="ja-JP" altLang="en-US" smtClean="0"/>
-              <a:t>2020/11/23</a:t>
+              <a:t>2020/11/29</a:t>
             </a:fld>
             <a:endParaRPr kumimoji="1" lang="ja-JP" altLang="en-US"/>
           </a:p>
@@ -24499,7 +24499,7 @@
         <p:spPr>
           <a:xfrm>
             <a:off x="102148" y="3674043"/>
-            <a:ext cx="1877437" cy="461665"/>
+            <a:ext cx="2053767" cy="461665"/>
           </a:xfrm>
           <a:prstGeom prst="rect">
             <a:avLst/>
@@ -24607,6 +24607,18 @@
           </a:lstStyle>
           <a:p>
             <a:r>
+              <a:rPr lang="en-US" altLang="ja-JP" sz="2400" b="1" dirty="0">
+                <a:solidFill>
+                  <a:schemeClr val="accent6">
+                    <a:lumMod val="60000"/>
+                    <a:lumOff val="40000"/>
+                  </a:schemeClr>
+                </a:solidFill>
+                <a:latin typeface="+mn-ea"/>
+              </a:rPr>
+              <a:t>10</a:t>
+            </a:r>
+            <a:r>
               <a:rPr kumimoji="1" lang="en-US" altLang="ja-JP" sz="2400" b="1" dirty="0">
                 <a:solidFill>
                   <a:schemeClr val="accent6">
@@ -24616,7 +24628,7 @@
                 </a:solidFill>
                 <a:latin typeface="+mn-ea"/>
               </a:rPr>
-              <a:t>50+200+50</a:t>
+              <a:t>0+250+50</a:t>
             </a:r>
             <a:endParaRPr kumimoji="1" lang="ja-JP" altLang="en-US" sz="2400" b="1" dirty="0">
               <a:solidFill>
@@ -24990,7 +25002,7 @@
                 </a:solidFill>
                 <a:latin typeface="+mn-ea"/>
               </a:rPr>
-              <a:t>0+200+20</a:t>
+              <a:t>0+250+20</a:t>
             </a:r>
             <a:endParaRPr kumimoji="1" lang="ja-JP" altLang="en-US" sz="2400" b="1" dirty="0">
               <a:solidFill>
@@ -25127,7 +25139,7 @@
           </a:lstStyle>
           <a:p>
             <a:r>
-              <a:rPr lang="en-US" altLang="ja-JP" sz="2400" b="1" dirty="0">
+              <a:rPr lang="en-US" altLang="ja-JP" sz="2400" b="1">
                 <a:solidFill>
                   <a:schemeClr val="accent6">
                     <a:lumMod val="60000"/>
@@ -25139,7 +25151,7 @@
               <a:t>10</a:t>
             </a:r>
             <a:r>
-              <a:rPr kumimoji="1" lang="en-US" altLang="ja-JP" sz="2400" b="1" dirty="0">
+              <a:rPr kumimoji="1" lang="en-US" altLang="ja-JP" sz="2400" b="1">
                 <a:solidFill>
                   <a:schemeClr val="accent6">
                     <a:lumMod val="60000"/>
@@ -25148,7 +25160,7 @@
                 </a:solidFill>
                 <a:latin typeface="+mn-ea"/>
               </a:rPr>
-              <a:t>0+150+100</a:t>
+              <a:t>0+200+100</a:t>
             </a:r>
             <a:endParaRPr kumimoji="1" lang="ja-JP" altLang="en-US" sz="2400" b="1" dirty="0">
               <a:solidFill>
